--- a/assets/lectures/cshl/2018/RNASeq_Module4_Tutorial.pptx
+++ b/assets/lectures/cshl/2018/RNASeq_Module4_Tutorial.pptx
@@ -5,23 +5,15 @@
     <p:sldMasterId id="2147483648" r:id="rId1"/>
   </p:sldMasterIdLst>
   <p:notesMasterIdLst>
-    <p:notesMasterId r:id="rId13"/>
+    <p:notesMasterId r:id="rId5"/>
   </p:notesMasterIdLst>
   <p:handoutMasterIdLst>
-    <p:handoutMasterId r:id="rId14"/>
+    <p:handoutMasterId r:id="rId6"/>
   </p:handoutMasterIdLst>
   <p:sldIdLst>
     <p:sldId id="341" r:id="rId2"/>
     <p:sldId id="513" r:id="rId3"/>
-    <p:sldId id="514" r:id="rId4"/>
-    <p:sldId id="515" r:id="rId5"/>
-    <p:sldId id="516" r:id="rId6"/>
-    <p:sldId id="517" r:id="rId7"/>
-    <p:sldId id="518" r:id="rId8"/>
-    <p:sldId id="519" r:id="rId9"/>
-    <p:sldId id="520" r:id="rId10"/>
-    <p:sldId id="521" r:id="rId11"/>
-    <p:sldId id="522" r:id="rId12"/>
+    <p:sldId id="522" r:id="rId4"/>
   </p:sldIdLst>
   <p:sldSz cx="9144000" cy="6858000" type="screen4x3"/>
   <p:notesSz cx="7315200" cy="9601200"/>
@@ -152,7 +144,7 @@
   </p:defaultTextStyle>
   <p:extLst>
     <p:ext uri="{EFAFB233-063F-42B5-8137-9DF3F51BA10A}">
-      <p15:sldGuideLst xmlns="" xmlns:p15="http://schemas.microsoft.com/office/powerpoint/2012/main">
+      <p15:sldGuideLst xmlns:p15="http://schemas.microsoft.com/office/powerpoint/2012/main" xmlns="">
         <p15:guide id="1" orient="horz" pos="2160">
           <p15:clr>
             <a:srgbClr val="A4A3A4"/>
@@ -272,7 +264,7 @@
               <a:pPr>
                 <a:defRPr/>
               </a:pPr>
-              <a:t>11/13/18</a:t>
+              <a:t>11/14/18</a:t>
             </a:fld>
             <a:endParaRPr lang="en-US"/>
           </a:p>
@@ -479,7 +471,7 @@
               <a:pPr>
                 <a:defRPr/>
               </a:pPr>
-              <a:t>11/13/18</a:t>
+              <a:t>11/14/18</a:t>
             </a:fld>
             <a:endParaRPr lang="en-US"/>
           </a:p>
@@ -826,2131 +818,6 @@
       </p:grpSpPr>
       <p:sp>
         <p:nvSpPr>
-          <p:cNvPr id="16385" name="Rectangle 7"/>
-          <p:cNvSpPr>
-            <a:spLocks noGrp="1" noChangeArrowheads="1"/>
-          </p:cNvSpPr>
-          <p:nvPr>
-            <p:ph type="sldNum" sz="quarter" idx="5"/>
-          </p:nvPr>
-        </p:nvSpPr>
-        <p:spPr bwMode="auto">
-          <a:noFill/>
-          <a:extLst>
-            <a:ext uri="{909E8E84-426E-40dd-AFC4-6F175D3DCCD1}">
-              <a14:hiddenFill xmlns:a14="http://schemas.microsoft.com/office/drawing/2010/main">
-                <a:solidFill>
-                  <a:srgbClr val="FFFFFF"/>
-                </a:solidFill>
-              </a14:hiddenFill>
-            </a:ext>
-            <a:ext uri="{91240B29-F687-4f45-9708-019B960494DF}">
-              <a14:hiddenLine xmlns:a14="http://schemas.microsoft.com/office/drawing/2010/main" w="9525">
-                <a:solidFill>
-                  <a:srgbClr val="000000"/>
-                </a:solidFill>
-                <a:miter lim="800000"/>
-                <a:headEnd/>
-                <a:tailEnd/>
-              </a14:hiddenLine>
-            </a:ext>
-          </a:extLst>
-        </p:spPr>
-        <p:txBody>
-          <a:bodyPr/>
-          <a:lstStyle>
-            <a:lvl1pPr eaLnBrk="0" hangingPunct="0">
-              <a:defRPr sz="2400">
-                <a:solidFill>
-                  <a:schemeClr val="tx1"/>
-                </a:solidFill>
-                <a:latin typeface="Arial" charset="0"/>
-                <a:ea typeface="ＭＳ Ｐゴシック" charset="0"/>
-                <a:cs typeface="ＭＳ Ｐゴシック" charset="0"/>
-              </a:defRPr>
-            </a:lvl1pPr>
-            <a:lvl2pPr marL="742950" indent="-285750" eaLnBrk="0" hangingPunct="0">
-              <a:defRPr sz="2400">
-                <a:solidFill>
-                  <a:schemeClr val="tx1"/>
-                </a:solidFill>
-                <a:latin typeface="Arial" charset="0"/>
-                <a:ea typeface="ＭＳ Ｐゴシック" charset="0"/>
-              </a:defRPr>
-            </a:lvl2pPr>
-            <a:lvl3pPr marL="1143000" indent="-228600" eaLnBrk="0" hangingPunct="0">
-              <a:defRPr sz="2400">
-                <a:solidFill>
-                  <a:schemeClr val="tx1"/>
-                </a:solidFill>
-                <a:latin typeface="Arial" charset="0"/>
-                <a:ea typeface="ＭＳ Ｐゴシック" charset="0"/>
-              </a:defRPr>
-            </a:lvl3pPr>
-            <a:lvl4pPr marL="1600200" indent="-228600" eaLnBrk="0" hangingPunct="0">
-              <a:defRPr sz="2400">
-                <a:solidFill>
-                  <a:schemeClr val="tx1"/>
-                </a:solidFill>
-                <a:latin typeface="Arial" charset="0"/>
-                <a:ea typeface="ＭＳ Ｐゴシック" charset="0"/>
-              </a:defRPr>
-            </a:lvl4pPr>
-            <a:lvl5pPr marL="2057400" indent="-228600" eaLnBrk="0" hangingPunct="0">
-              <a:defRPr sz="2400">
-                <a:solidFill>
-                  <a:schemeClr val="tx1"/>
-                </a:solidFill>
-                <a:latin typeface="Arial" charset="0"/>
-                <a:ea typeface="ＭＳ Ｐゴシック" charset="0"/>
-              </a:defRPr>
-            </a:lvl5pPr>
-            <a:lvl6pPr marL="2514600" indent="-228600" eaLnBrk="0" fontAlgn="base" hangingPunct="0">
-              <a:spcBef>
-                <a:spcPct val="0"/>
-              </a:spcBef>
-              <a:spcAft>
-                <a:spcPct val="0"/>
-              </a:spcAft>
-              <a:defRPr sz="2400">
-                <a:solidFill>
-                  <a:schemeClr val="tx1"/>
-                </a:solidFill>
-                <a:latin typeface="Arial" charset="0"/>
-                <a:ea typeface="ＭＳ Ｐゴシック" charset="0"/>
-              </a:defRPr>
-            </a:lvl6pPr>
-            <a:lvl7pPr marL="2971800" indent="-228600" eaLnBrk="0" fontAlgn="base" hangingPunct="0">
-              <a:spcBef>
-                <a:spcPct val="0"/>
-              </a:spcBef>
-              <a:spcAft>
-                <a:spcPct val="0"/>
-              </a:spcAft>
-              <a:defRPr sz="2400">
-                <a:solidFill>
-                  <a:schemeClr val="tx1"/>
-                </a:solidFill>
-                <a:latin typeface="Arial" charset="0"/>
-                <a:ea typeface="ＭＳ Ｐゴシック" charset="0"/>
-              </a:defRPr>
-            </a:lvl7pPr>
-            <a:lvl8pPr marL="3429000" indent="-228600" eaLnBrk="0" fontAlgn="base" hangingPunct="0">
-              <a:spcBef>
-                <a:spcPct val="0"/>
-              </a:spcBef>
-              <a:spcAft>
-                <a:spcPct val="0"/>
-              </a:spcAft>
-              <a:defRPr sz="2400">
-                <a:solidFill>
-                  <a:schemeClr val="tx1"/>
-                </a:solidFill>
-                <a:latin typeface="Arial" charset="0"/>
-                <a:ea typeface="ＭＳ Ｐゴシック" charset="0"/>
-              </a:defRPr>
-            </a:lvl8pPr>
-            <a:lvl9pPr marL="3886200" indent="-228600" eaLnBrk="0" fontAlgn="base" hangingPunct="0">
-              <a:spcBef>
-                <a:spcPct val="0"/>
-              </a:spcBef>
-              <a:spcAft>
-                <a:spcPct val="0"/>
-              </a:spcAft>
-              <a:defRPr sz="2400">
-                <a:solidFill>
-                  <a:schemeClr val="tx1"/>
-                </a:solidFill>
-                <a:latin typeface="Arial" charset="0"/>
-                <a:ea typeface="ＭＳ Ｐゴシック" charset="0"/>
-              </a:defRPr>
-            </a:lvl9pPr>
-          </a:lstStyle>
-          <a:p>
-            <a:pPr eaLnBrk="1" hangingPunct="1"/>
-            <a:fld id="{E615A74A-226C-0140-916B-890CCA900CEA}" type="slidenum">
-              <a:rPr lang="en-US" sz="1300">
-                <a:latin typeface="Calibri" charset="0"/>
-              </a:rPr>
-              <a:pPr eaLnBrk="1" hangingPunct="1"/>
-              <a:t>3</a:t>
-            </a:fld>
-            <a:endParaRPr lang="en-US" sz="1300">
-              <a:latin typeface="Calibri" charset="0"/>
-            </a:endParaRPr>
-          </a:p>
-        </p:txBody>
-      </p:sp>
-      <p:sp>
-        <p:nvSpPr>
-          <p:cNvPr id="16386" name="Rectangle 2"/>
-          <p:cNvSpPr>
-            <a:spLocks noGrp="1" noRot="1" noChangeAspect="1" noChangeArrowheads="1" noTextEdit="1"/>
-          </p:cNvSpPr>
-          <p:nvPr>
-            <p:ph type="sldImg"/>
-          </p:nvPr>
-        </p:nvSpPr>
-        <p:spPr bwMode="auto">
-          <a:solidFill>
-            <a:srgbClr val="FFFFFF"/>
-          </a:solidFill>
-          <a:ln>
-            <a:solidFill>
-              <a:srgbClr val="000000"/>
-            </a:solidFill>
-            <a:miter lim="800000"/>
-            <a:headEnd/>
-            <a:tailEnd/>
-          </a:ln>
-          <a:extLst>
-            <a:ext uri="{FAA26D3D-D897-4be2-8F04-BA451C77F1D7}">
-              <ma14:placeholderFlag xmlns:ma14="http://schemas.microsoft.com/office/mac/drawingml/2011/main" val="1"/>
-            </a:ext>
-          </a:extLst>
-        </p:spPr>
-      </p:sp>
-      <p:sp>
-        <p:nvSpPr>
-          <p:cNvPr id="16387" name="Rectangle 3"/>
-          <p:cNvSpPr>
-            <a:spLocks noGrp="1" noChangeArrowheads="1"/>
-          </p:cNvSpPr>
-          <p:nvPr>
-            <p:ph type="body" idx="1"/>
-          </p:nvPr>
-        </p:nvSpPr>
-        <p:spPr bwMode="auto">
-          <a:solidFill>
-            <a:srgbClr val="FFFFFF"/>
-          </a:solidFill>
-          <a:ln>
-            <a:solidFill>
-              <a:srgbClr val="000000"/>
-            </a:solidFill>
-            <a:miter lim="800000"/>
-            <a:headEnd/>
-            <a:tailEnd/>
-          </a:ln>
-          <a:extLst>
-            <a:ext uri="{FAA26D3D-D897-4be2-8F04-BA451C77F1D7}">
-              <ma14:placeholderFlag xmlns:ma14="http://schemas.microsoft.com/office/mac/drawingml/2011/main" val="1"/>
-            </a:ext>
-          </a:extLst>
-        </p:spPr>
-        <p:txBody>
-          <a:bodyPr wrap="square" numCol="1" anchor="t" anchorCtr="0" compatLnSpc="1">
-            <a:prstTxWarp prst="textNoShape">
-              <a:avLst/>
-            </a:prstTxWarp>
-          </a:bodyPr>
-          <a:lstStyle/>
-          <a:p>
-            <a:pPr eaLnBrk="1" hangingPunct="1"/>
-            <a:endParaRPr lang="en-US">
-              <a:latin typeface="Calibri" charset="0"/>
-              <a:ea typeface="ＭＳ Ｐゴシック" charset="0"/>
-              <a:cs typeface="ＭＳ Ｐゴシック" charset="0"/>
-            </a:endParaRPr>
-          </a:p>
-        </p:txBody>
-      </p:sp>
-    </p:spTree>
-  </p:cSld>
-  <p:clrMapOvr>
-    <a:masterClrMapping/>
-  </p:clrMapOvr>
-</p:notes>
-</file>
-
-<file path=ppt/notesSlides/notesSlide2.xml><?xml version="1.0" encoding="utf-8"?>
-<p:notes xmlns:a="http://schemas.openxmlformats.org/drawingml/2006/main" xmlns:r="http://schemas.openxmlformats.org/officeDocument/2006/relationships" xmlns:p="http://schemas.openxmlformats.org/presentationml/2006/main">
-  <p:cSld>
-    <p:spTree>
-      <p:nvGrpSpPr>
-        <p:cNvPr id="1" name=""/>
-        <p:cNvGrpSpPr/>
-        <p:nvPr/>
-      </p:nvGrpSpPr>
-      <p:grpSpPr>
-        <a:xfrm>
-          <a:off x="0" y="0"/>
-          <a:ext cx="0" cy="0"/>
-          <a:chOff x="0" y="0"/>
-          <a:chExt cx="0" cy="0"/>
-        </a:xfrm>
-      </p:grpSpPr>
-      <p:sp>
-        <p:nvSpPr>
-          <p:cNvPr id="18433" name="Slide Image Placeholder 1"/>
-          <p:cNvSpPr>
-            <a:spLocks noGrp="1" noRot="1" noChangeAspect="1"/>
-          </p:cNvSpPr>
-          <p:nvPr>
-            <p:ph type="sldImg"/>
-          </p:nvPr>
-        </p:nvSpPr>
-        <p:spPr bwMode="auto">
-          <a:noFill/>
-          <a:ln>
-            <a:solidFill>
-              <a:srgbClr val="000000"/>
-            </a:solidFill>
-            <a:miter lim="800000"/>
-            <a:headEnd/>
-            <a:tailEnd/>
-          </a:ln>
-          <a:extLst>
-            <a:ext uri="{909E8E84-426E-40dd-AFC4-6F175D3DCCD1}">
-              <a14:hiddenFill xmlns:a14="http://schemas.microsoft.com/office/drawing/2010/main">
-                <a:solidFill>
-                  <a:srgbClr val="FFFFFF"/>
-                </a:solidFill>
-              </a14:hiddenFill>
-            </a:ext>
-            <a:ext uri="{FAA26D3D-D897-4be2-8F04-BA451C77F1D7}">
-              <ma14:placeholderFlag xmlns:ma14="http://schemas.microsoft.com/office/mac/drawingml/2011/main" val="1"/>
-            </a:ext>
-          </a:extLst>
-        </p:spPr>
-      </p:sp>
-      <p:sp>
-        <p:nvSpPr>
-          <p:cNvPr id="18434" name="Notes Placeholder 2"/>
-          <p:cNvSpPr>
-            <a:spLocks noGrp="1"/>
-          </p:cNvSpPr>
-          <p:nvPr>
-            <p:ph type="body" idx="1"/>
-          </p:nvPr>
-        </p:nvSpPr>
-        <p:spPr bwMode="auto">
-          <a:noFill/>
-          <a:extLst>
-            <a:ext uri="{909E8E84-426E-40dd-AFC4-6F175D3DCCD1}">
-              <a14:hiddenFill xmlns:a14="http://schemas.microsoft.com/office/drawing/2010/main">
-                <a:solidFill>
-                  <a:srgbClr val="FFFFFF"/>
-                </a:solidFill>
-              </a14:hiddenFill>
-            </a:ext>
-            <a:ext uri="{91240B29-F687-4f45-9708-019B960494DF}">
-              <a14:hiddenLine xmlns:a14="http://schemas.microsoft.com/office/drawing/2010/main" w="9525">
-                <a:solidFill>
-                  <a:srgbClr val="000000"/>
-                </a:solidFill>
-                <a:miter lim="800000"/>
-                <a:headEnd/>
-                <a:tailEnd/>
-              </a14:hiddenLine>
-            </a:ext>
-            <a:ext uri="{FAA26D3D-D897-4be2-8F04-BA451C77F1D7}">
-              <ma14:placeholderFlag xmlns:ma14="http://schemas.microsoft.com/office/mac/drawingml/2011/main" val="1"/>
-            </a:ext>
-          </a:extLst>
-        </p:spPr>
-        <p:txBody>
-          <a:bodyPr wrap="square" numCol="1" anchor="t" anchorCtr="0" compatLnSpc="1">
-            <a:prstTxWarp prst="textNoShape">
-              <a:avLst/>
-            </a:prstTxWarp>
-          </a:bodyPr>
-          <a:lstStyle/>
-          <a:p>
-            <a:endParaRPr lang="en-US">
-              <a:latin typeface="Calibri" charset="0"/>
-              <a:ea typeface="ＭＳ Ｐゴシック" charset="0"/>
-              <a:cs typeface="ＭＳ Ｐゴシック" charset="0"/>
-            </a:endParaRPr>
-          </a:p>
-        </p:txBody>
-      </p:sp>
-      <p:sp>
-        <p:nvSpPr>
-          <p:cNvPr id="18435" name="Slide Number Placeholder 3"/>
-          <p:cNvSpPr>
-            <a:spLocks noGrp="1"/>
-          </p:cNvSpPr>
-          <p:nvPr>
-            <p:ph type="sldNum" sz="quarter" idx="5"/>
-          </p:nvPr>
-        </p:nvSpPr>
-        <p:spPr bwMode="auto">
-          <a:noFill/>
-          <a:extLst>
-            <a:ext uri="{909E8E84-426E-40dd-AFC4-6F175D3DCCD1}">
-              <a14:hiddenFill xmlns:a14="http://schemas.microsoft.com/office/drawing/2010/main">
-                <a:solidFill>
-                  <a:srgbClr val="FFFFFF"/>
-                </a:solidFill>
-              </a14:hiddenFill>
-            </a:ext>
-            <a:ext uri="{91240B29-F687-4f45-9708-019B960494DF}">
-              <a14:hiddenLine xmlns:a14="http://schemas.microsoft.com/office/drawing/2010/main" w="9525">
-                <a:solidFill>
-                  <a:srgbClr val="000000"/>
-                </a:solidFill>
-                <a:miter lim="800000"/>
-                <a:headEnd/>
-                <a:tailEnd/>
-              </a14:hiddenLine>
-            </a:ext>
-          </a:extLst>
-        </p:spPr>
-        <p:txBody>
-          <a:bodyPr/>
-          <a:lstStyle>
-            <a:lvl1pPr eaLnBrk="0" hangingPunct="0">
-              <a:defRPr sz="2400">
-                <a:solidFill>
-                  <a:schemeClr val="tx1"/>
-                </a:solidFill>
-                <a:latin typeface="Arial" charset="0"/>
-                <a:ea typeface="ＭＳ Ｐゴシック" charset="0"/>
-                <a:cs typeface="ＭＳ Ｐゴシック" charset="0"/>
-              </a:defRPr>
-            </a:lvl1pPr>
-            <a:lvl2pPr marL="742950" indent="-285750" eaLnBrk="0" hangingPunct="0">
-              <a:defRPr sz="2400">
-                <a:solidFill>
-                  <a:schemeClr val="tx1"/>
-                </a:solidFill>
-                <a:latin typeface="Arial" charset="0"/>
-                <a:ea typeface="ＭＳ Ｐゴシック" charset="0"/>
-              </a:defRPr>
-            </a:lvl2pPr>
-            <a:lvl3pPr marL="1143000" indent="-228600" eaLnBrk="0" hangingPunct="0">
-              <a:defRPr sz="2400">
-                <a:solidFill>
-                  <a:schemeClr val="tx1"/>
-                </a:solidFill>
-                <a:latin typeface="Arial" charset="0"/>
-                <a:ea typeface="ＭＳ Ｐゴシック" charset="0"/>
-              </a:defRPr>
-            </a:lvl3pPr>
-            <a:lvl4pPr marL="1600200" indent="-228600" eaLnBrk="0" hangingPunct="0">
-              <a:defRPr sz="2400">
-                <a:solidFill>
-                  <a:schemeClr val="tx1"/>
-                </a:solidFill>
-                <a:latin typeface="Arial" charset="0"/>
-                <a:ea typeface="ＭＳ Ｐゴシック" charset="0"/>
-              </a:defRPr>
-            </a:lvl4pPr>
-            <a:lvl5pPr marL="2057400" indent="-228600" eaLnBrk="0" hangingPunct="0">
-              <a:defRPr sz="2400">
-                <a:solidFill>
-                  <a:schemeClr val="tx1"/>
-                </a:solidFill>
-                <a:latin typeface="Arial" charset="0"/>
-                <a:ea typeface="ＭＳ Ｐゴシック" charset="0"/>
-              </a:defRPr>
-            </a:lvl5pPr>
-            <a:lvl6pPr marL="2514600" indent="-228600" eaLnBrk="0" fontAlgn="base" hangingPunct="0">
-              <a:spcBef>
-                <a:spcPct val="0"/>
-              </a:spcBef>
-              <a:spcAft>
-                <a:spcPct val="0"/>
-              </a:spcAft>
-              <a:defRPr sz="2400">
-                <a:solidFill>
-                  <a:schemeClr val="tx1"/>
-                </a:solidFill>
-                <a:latin typeface="Arial" charset="0"/>
-                <a:ea typeface="ＭＳ Ｐゴシック" charset="0"/>
-              </a:defRPr>
-            </a:lvl6pPr>
-            <a:lvl7pPr marL="2971800" indent="-228600" eaLnBrk="0" fontAlgn="base" hangingPunct="0">
-              <a:spcBef>
-                <a:spcPct val="0"/>
-              </a:spcBef>
-              <a:spcAft>
-                <a:spcPct val="0"/>
-              </a:spcAft>
-              <a:defRPr sz="2400">
-                <a:solidFill>
-                  <a:schemeClr val="tx1"/>
-                </a:solidFill>
-                <a:latin typeface="Arial" charset="0"/>
-                <a:ea typeface="ＭＳ Ｐゴシック" charset="0"/>
-              </a:defRPr>
-            </a:lvl7pPr>
-            <a:lvl8pPr marL="3429000" indent="-228600" eaLnBrk="0" fontAlgn="base" hangingPunct="0">
-              <a:spcBef>
-                <a:spcPct val="0"/>
-              </a:spcBef>
-              <a:spcAft>
-                <a:spcPct val="0"/>
-              </a:spcAft>
-              <a:defRPr sz="2400">
-                <a:solidFill>
-                  <a:schemeClr val="tx1"/>
-                </a:solidFill>
-                <a:latin typeface="Arial" charset="0"/>
-                <a:ea typeface="ＭＳ Ｐゴシック" charset="0"/>
-              </a:defRPr>
-            </a:lvl8pPr>
-            <a:lvl9pPr marL="3886200" indent="-228600" eaLnBrk="0" fontAlgn="base" hangingPunct="0">
-              <a:spcBef>
-                <a:spcPct val="0"/>
-              </a:spcBef>
-              <a:spcAft>
-                <a:spcPct val="0"/>
-              </a:spcAft>
-              <a:defRPr sz="2400">
-                <a:solidFill>
-                  <a:schemeClr val="tx1"/>
-                </a:solidFill>
-                <a:latin typeface="Arial" charset="0"/>
-                <a:ea typeface="ＭＳ Ｐゴシック" charset="0"/>
-              </a:defRPr>
-            </a:lvl9pPr>
-          </a:lstStyle>
-          <a:p>
-            <a:pPr eaLnBrk="1" hangingPunct="1"/>
-            <a:fld id="{4F64B770-BC29-0040-AB5D-023F4866A456}" type="slidenum">
-              <a:rPr lang="en-US" sz="1300">
-                <a:latin typeface="Calibri" charset="0"/>
-              </a:rPr>
-              <a:pPr eaLnBrk="1" hangingPunct="1"/>
-              <a:t>4</a:t>
-            </a:fld>
-            <a:endParaRPr lang="en-US" sz="1300">
-              <a:latin typeface="Calibri" charset="0"/>
-            </a:endParaRPr>
-          </a:p>
-        </p:txBody>
-      </p:sp>
-    </p:spTree>
-  </p:cSld>
-  <p:clrMapOvr>
-    <a:masterClrMapping/>
-  </p:clrMapOvr>
-</p:notes>
-</file>
-
-<file path=ppt/notesSlides/notesSlide3.xml><?xml version="1.0" encoding="utf-8"?>
-<p:notes xmlns:a="http://schemas.openxmlformats.org/drawingml/2006/main" xmlns:r="http://schemas.openxmlformats.org/officeDocument/2006/relationships" xmlns:p="http://schemas.openxmlformats.org/presentationml/2006/main">
-  <p:cSld>
-    <p:spTree>
-      <p:nvGrpSpPr>
-        <p:cNvPr id="1" name=""/>
-        <p:cNvGrpSpPr/>
-        <p:nvPr/>
-      </p:nvGrpSpPr>
-      <p:grpSpPr>
-        <a:xfrm>
-          <a:off x="0" y="0"/>
-          <a:ext cx="0" cy="0"/>
-          <a:chOff x="0" y="0"/>
-          <a:chExt cx="0" cy="0"/>
-        </a:xfrm>
-      </p:grpSpPr>
-      <p:sp>
-        <p:nvSpPr>
-          <p:cNvPr id="20481" name="Slide Image Placeholder 1"/>
-          <p:cNvSpPr>
-            <a:spLocks noGrp="1" noRot="1" noChangeAspect="1"/>
-          </p:cNvSpPr>
-          <p:nvPr>
-            <p:ph type="sldImg"/>
-          </p:nvPr>
-        </p:nvSpPr>
-        <p:spPr bwMode="auto">
-          <a:noFill/>
-          <a:ln>
-            <a:solidFill>
-              <a:srgbClr val="000000"/>
-            </a:solidFill>
-            <a:miter lim="800000"/>
-            <a:headEnd/>
-            <a:tailEnd/>
-          </a:ln>
-          <a:extLst>
-            <a:ext uri="{909E8E84-426E-40dd-AFC4-6F175D3DCCD1}">
-              <a14:hiddenFill xmlns:a14="http://schemas.microsoft.com/office/drawing/2010/main">
-                <a:solidFill>
-                  <a:srgbClr val="FFFFFF"/>
-                </a:solidFill>
-              </a14:hiddenFill>
-            </a:ext>
-            <a:ext uri="{FAA26D3D-D897-4be2-8F04-BA451C77F1D7}">
-              <ma14:placeholderFlag xmlns:ma14="http://schemas.microsoft.com/office/mac/drawingml/2011/main" val="1"/>
-            </a:ext>
-          </a:extLst>
-        </p:spPr>
-      </p:sp>
-      <p:sp>
-        <p:nvSpPr>
-          <p:cNvPr id="20482" name="Notes Placeholder 2"/>
-          <p:cNvSpPr>
-            <a:spLocks noGrp="1"/>
-          </p:cNvSpPr>
-          <p:nvPr>
-            <p:ph type="body" idx="1"/>
-          </p:nvPr>
-        </p:nvSpPr>
-        <p:spPr bwMode="auto">
-          <a:noFill/>
-          <a:extLst>
-            <a:ext uri="{909E8E84-426E-40dd-AFC4-6F175D3DCCD1}">
-              <a14:hiddenFill xmlns:a14="http://schemas.microsoft.com/office/drawing/2010/main">
-                <a:solidFill>
-                  <a:srgbClr val="FFFFFF"/>
-                </a:solidFill>
-              </a14:hiddenFill>
-            </a:ext>
-            <a:ext uri="{91240B29-F687-4f45-9708-019B960494DF}">
-              <a14:hiddenLine xmlns:a14="http://schemas.microsoft.com/office/drawing/2010/main" w="9525">
-                <a:solidFill>
-                  <a:srgbClr val="000000"/>
-                </a:solidFill>
-                <a:miter lim="800000"/>
-                <a:headEnd/>
-                <a:tailEnd/>
-              </a14:hiddenLine>
-            </a:ext>
-            <a:ext uri="{FAA26D3D-D897-4be2-8F04-BA451C77F1D7}">
-              <ma14:placeholderFlag xmlns:ma14="http://schemas.microsoft.com/office/mac/drawingml/2011/main" val="1"/>
-            </a:ext>
-          </a:extLst>
-        </p:spPr>
-        <p:txBody>
-          <a:bodyPr wrap="square" numCol="1" anchor="t" anchorCtr="0" compatLnSpc="1">
-            <a:prstTxWarp prst="textNoShape">
-              <a:avLst/>
-            </a:prstTxWarp>
-          </a:bodyPr>
-          <a:lstStyle/>
-          <a:p>
-            <a:endParaRPr lang="en-US">
-              <a:latin typeface="Calibri" charset="0"/>
-              <a:ea typeface="ＭＳ Ｐゴシック" charset="0"/>
-              <a:cs typeface="ＭＳ Ｐゴシック" charset="0"/>
-            </a:endParaRPr>
-          </a:p>
-        </p:txBody>
-      </p:sp>
-      <p:sp>
-        <p:nvSpPr>
-          <p:cNvPr id="20483" name="Slide Number Placeholder 3"/>
-          <p:cNvSpPr>
-            <a:spLocks noGrp="1"/>
-          </p:cNvSpPr>
-          <p:nvPr>
-            <p:ph type="sldNum" sz="quarter" idx="5"/>
-          </p:nvPr>
-        </p:nvSpPr>
-        <p:spPr bwMode="auto">
-          <a:noFill/>
-          <a:extLst>
-            <a:ext uri="{909E8E84-426E-40dd-AFC4-6F175D3DCCD1}">
-              <a14:hiddenFill xmlns:a14="http://schemas.microsoft.com/office/drawing/2010/main">
-                <a:solidFill>
-                  <a:srgbClr val="FFFFFF"/>
-                </a:solidFill>
-              </a14:hiddenFill>
-            </a:ext>
-            <a:ext uri="{91240B29-F687-4f45-9708-019B960494DF}">
-              <a14:hiddenLine xmlns:a14="http://schemas.microsoft.com/office/drawing/2010/main" w="9525">
-                <a:solidFill>
-                  <a:srgbClr val="000000"/>
-                </a:solidFill>
-                <a:miter lim="800000"/>
-                <a:headEnd/>
-                <a:tailEnd/>
-              </a14:hiddenLine>
-            </a:ext>
-          </a:extLst>
-        </p:spPr>
-        <p:txBody>
-          <a:bodyPr/>
-          <a:lstStyle>
-            <a:lvl1pPr eaLnBrk="0" hangingPunct="0">
-              <a:defRPr sz="2400">
-                <a:solidFill>
-                  <a:schemeClr val="tx1"/>
-                </a:solidFill>
-                <a:latin typeface="Arial" charset="0"/>
-                <a:ea typeface="ＭＳ Ｐゴシック" charset="0"/>
-                <a:cs typeface="ＭＳ Ｐゴシック" charset="0"/>
-              </a:defRPr>
-            </a:lvl1pPr>
-            <a:lvl2pPr marL="742950" indent="-285750" eaLnBrk="0" hangingPunct="0">
-              <a:defRPr sz="2400">
-                <a:solidFill>
-                  <a:schemeClr val="tx1"/>
-                </a:solidFill>
-                <a:latin typeface="Arial" charset="0"/>
-                <a:ea typeface="ＭＳ Ｐゴシック" charset="0"/>
-              </a:defRPr>
-            </a:lvl2pPr>
-            <a:lvl3pPr marL="1143000" indent="-228600" eaLnBrk="0" hangingPunct="0">
-              <a:defRPr sz="2400">
-                <a:solidFill>
-                  <a:schemeClr val="tx1"/>
-                </a:solidFill>
-                <a:latin typeface="Arial" charset="0"/>
-                <a:ea typeface="ＭＳ Ｐゴシック" charset="0"/>
-              </a:defRPr>
-            </a:lvl3pPr>
-            <a:lvl4pPr marL="1600200" indent="-228600" eaLnBrk="0" hangingPunct="0">
-              <a:defRPr sz="2400">
-                <a:solidFill>
-                  <a:schemeClr val="tx1"/>
-                </a:solidFill>
-                <a:latin typeface="Arial" charset="0"/>
-                <a:ea typeface="ＭＳ Ｐゴシック" charset="0"/>
-              </a:defRPr>
-            </a:lvl4pPr>
-            <a:lvl5pPr marL="2057400" indent="-228600" eaLnBrk="0" hangingPunct="0">
-              <a:defRPr sz="2400">
-                <a:solidFill>
-                  <a:schemeClr val="tx1"/>
-                </a:solidFill>
-                <a:latin typeface="Arial" charset="0"/>
-                <a:ea typeface="ＭＳ Ｐゴシック" charset="0"/>
-              </a:defRPr>
-            </a:lvl5pPr>
-            <a:lvl6pPr marL="2514600" indent="-228600" eaLnBrk="0" fontAlgn="base" hangingPunct="0">
-              <a:spcBef>
-                <a:spcPct val="0"/>
-              </a:spcBef>
-              <a:spcAft>
-                <a:spcPct val="0"/>
-              </a:spcAft>
-              <a:defRPr sz="2400">
-                <a:solidFill>
-                  <a:schemeClr val="tx1"/>
-                </a:solidFill>
-                <a:latin typeface="Arial" charset="0"/>
-                <a:ea typeface="ＭＳ Ｐゴシック" charset="0"/>
-              </a:defRPr>
-            </a:lvl6pPr>
-            <a:lvl7pPr marL="2971800" indent="-228600" eaLnBrk="0" fontAlgn="base" hangingPunct="0">
-              <a:spcBef>
-                <a:spcPct val="0"/>
-              </a:spcBef>
-              <a:spcAft>
-                <a:spcPct val="0"/>
-              </a:spcAft>
-              <a:defRPr sz="2400">
-                <a:solidFill>
-                  <a:schemeClr val="tx1"/>
-                </a:solidFill>
-                <a:latin typeface="Arial" charset="0"/>
-                <a:ea typeface="ＭＳ Ｐゴシック" charset="0"/>
-              </a:defRPr>
-            </a:lvl7pPr>
-            <a:lvl8pPr marL="3429000" indent="-228600" eaLnBrk="0" fontAlgn="base" hangingPunct="0">
-              <a:spcBef>
-                <a:spcPct val="0"/>
-              </a:spcBef>
-              <a:spcAft>
-                <a:spcPct val="0"/>
-              </a:spcAft>
-              <a:defRPr sz="2400">
-                <a:solidFill>
-                  <a:schemeClr val="tx1"/>
-                </a:solidFill>
-                <a:latin typeface="Arial" charset="0"/>
-                <a:ea typeface="ＭＳ Ｐゴシック" charset="0"/>
-              </a:defRPr>
-            </a:lvl8pPr>
-            <a:lvl9pPr marL="3886200" indent="-228600" eaLnBrk="0" fontAlgn="base" hangingPunct="0">
-              <a:spcBef>
-                <a:spcPct val="0"/>
-              </a:spcBef>
-              <a:spcAft>
-                <a:spcPct val="0"/>
-              </a:spcAft>
-              <a:defRPr sz="2400">
-                <a:solidFill>
-                  <a:schemeClr val="tx1"/>
-                </a:solidFill>
-                <a:latin typeface="Arial" charset="0"/>
-                <a:ea typeface="ＭＳ Ｐゴシック" charset="0"/>
-              </a:defRPr>
-            </a:lvl9pPr>
-          </a:lstStyle>
-          <a:p>
-            <a:pPr eaLnBrk="1" hangingPunct="1"/>
-            <a:fld id="{CD0276A3-BD22-BC42-AE6D-D52E18C1B0D5}" type="slidenum">
-              <a:rPr lang="en-US" sz="1300">
-                <a:latin typeface="Calibri" charset="0"/>
-              </a:rPr>
-              <a:pPr eaLnBrk="1" hangingPunct="1"/>
-              <a:t>5</a:t>
-            </a:fld>
-            <a:endParaRPr lang="en-US" sz="1300">
-              <a:latin typeface="Calibri" charset="0"/>
-            </a:endParaRPr>
-          </a:p>
-        </p:txBody>
-      </p:sp>
-    </p:spTree>
-  </p:cSld>
-  <p:clrMapOvr>
-    <a:masterClrMapping/>
-  </p:clrMapOvr>
-</p:notes>
-</file>
-
-<file path=ppt/notesSlides/notesSlide4.xml><?xml version="1.0" encoding="utf-8"?>
-<p:notes xmlns:a="http://schemas.openxmlformats.org/drawingml/2006/main" xmlns:r="http://schemas.openxmlformats.org/officeDocument/2006/relationships" xmlns:p="http://schemas.openxmlformats.org/presentationml/2006/main">
-  <p:cSld>
-    <p:spTree>
-      <p:nvGrpSpPr>
-        <p:cNvPr id="1" name=""/>
-        <p:cNvGrpSpPr/>
-        <p:nvPr/>
-      </p:nvGrpSpPr>
-      <p:grpSpPr>
-        <a:xfrm>
-          <a:off x="0" y="0"/>
-          <a:ext cx="0" cy="0"/>
-          <a:chOff x="0" y="0"/>
-          <a:chExt cx="0" cy="0"/>
-        </a:xfrm>
-      </p:grpSpPr>
-      <p:sp>
-        <p:nvSpPr>
-          <p:cNvPr id="22529" name="Slide Image Placeholder 1"/>
-          <p:cNvSpPr>
-            <a:spLocks noGrp="1" noRot="1" noChangeAspect="1"/>
-          </p:cNvSpPr>
-          <p:nvPr>
-            <p:ph type="sldImg"/>
-          </p:nvPr>
-        </p:nvSpPr>
-        <p:spPr bwMode="auto">
-          <a:noFill/>
-          <a:ln>
-            <a:solidFill>
-              <a:srgbClr val="000000"/>
-            </a:solidFill>
-            <a:miter lim="800000"/>
-            <a:headEnd/>
-            <a:tailEnd/>
-          </a:ln>
-          <a:extLst>
-            <a:ext uri="{909E8E84-426E-40dd-AFC4-6F175D3DCCD1}">
-              <a14:hiddenFill xmlns:a14="http://schemas.microsoft.com/office/drawing/2010/main">
-                <a:solidFill>
-                  <a:srgbClr val="FFFFFF"/>
-                </a:solidFill>
-              </a14:hiddenFill>
-            </a:ext>
-            <a:ext uri="{FAA26D3D-D897-4be2-8F04-BA451C77F1D7}">
-              <ma14:placeholderFlag xmlns:ma14="http://schemas.microsoft.com/office/mac/drawingml/2011/main" val="1"/>
-            </a:ext>
-          </a:extLst>
-        </p:spPr>
-      </p:sp>
-      <p:sp>
-        <p:nvSpPr>
-          <p:cNvPr id="22530" name="Notes Placeholder 2"/>
-          <p:cNvSpPr>
-            <a:spLocks noGrp="1"/>
-          </p:cNvSpPr>
-          <p:nvPr>
-            <p:ph type="body" idx="1"/>
-          </p:nvPr>
-        </p:nvSpPr>
-        <p:spPr bwMode="auto">
-          <a:noFill/>
-          <a:extLst>
-            <a:ext uri="{909E8E84-426E-40dd-AFC4-6F175D3DCCD1}">
-              <a14:hiddenFill xmlns:a14="http://schemas.microsoft.com/office/drawing/2010/main">
-                <a:solidFill>
-                  <a:srgbClr val="FFFFFF"/>
-                </a:solidFill>
-              </a14:hiddenFill>
-            </a:ext>
-            <a:ext uri="{91240B29-F687-4f45-9708-019B960494DF}">
-              <a14:hiddenLine xmlns:a14="http://schemas.microsoft.com/office/drawing/2010/main" w="9525">
-                <a:solidFill>
-                  <a:srgbClr val="000000"/>
-                </a:solidFill>
-                <a:miter lim="800000"/>
-                <a:headEnd/>
-                <a:tailEnd/>
-              </a14:hiddenLine>
-            </a:ext>
-            <a:ext uri="{FAA26D3D-D897-4be2-8F04-BA451C77F1D7}">
-              <ma14:placeholderFlag xmlns:ma14="http://schemas.microsoft.com/office/mac/drawingml/2011/main" val="1"/>
-            </a:ext>
-          </a:extLst>
-        </p:spPr>
-        <p:txBody>
-          <a:bodyPr wrap="square" numCol="1" anchor="t" anchorCtr="0" compatLnSpc="1">
-            <a:prstTxWarp prst="textNoShape">
-              <a:avLst/>
-            </a:prstTxWarp>
-          </a:bodyPr>
-          <a:lstStyle/>
-          <a:p>
-            <a:endParaRPr lang="en-US">
-              <a:latin typeface="Calibri" charset="0"/>
-              <a:ea typeface="ＭＳ Ｐゴシック" charset="0"/>
-              <a:cs typeface="ＭＳ Ｐゴシック" charset="0"/>
-            </a:endParaRPr>
-          </a:p>
-        </p:txBody>
-      </p:sp>
-      <p:sp>
-        <p:nvSpPr>
-          <p:cNvPr id="22531" name="Slide Number Placeholder 3"/>
-          <p:cNvSpPr>
-            <a:spLocks noGrp="1"/>
-          </p:cNvSpPr>
-          <p:nvPr>
-            <p:ph type="sldNum" sz="quarter" idx="5"/>
-          </p:nvPr>
-        </p:nvSpPr>
-        <p:spPr bwMode="auto">
-          <a:noFill/>
-          <a:extLst>
-            <a:ext uri="{909E8E84-426E-40dd-AFC4-6F175D3DCCD1}">
-              <a14:hiddenFill xmlns:a14="http://schemas.microsoft.com/office/drawing/2010/main">
-                <a:solidFill>
-                  <a:srgbClr val="FFFFFF"/>
-                </a:solidFill>
-              </a14:hiddenFill>
-            </a:ext>
-            <a:ext uri="{91240B29-F687-4f45-9708-019B960494DF}">
-              <a14:hiddenLine xmlns:a14="http://schemas.microsoft.com/office/drawing/2010/main" w="9525">
-                <a:solidFill>
-                  <a:srgbClr val="000000"/>
-                </a:solidFill>
-                <a:miter lim="800000"/>
-                <a:headEnd/>
-                <a:tailEnd/>
-              </a14:hiddenLine>
-            </a:ext>
-          </a:extLst>
-        </p:spPr>
-        <p:txBody>
-          <a:bodyPr/>
-          <a:lstStyle>
-            <a:lvl1pPr eaLnBrk="0" hangingPunct="0">
-              <a:defRPr sz="2400">
-                <a:solidFill>
-                  <a:schemeClr val="tx1"/>
-                </a:solidFill>
-                <a:latin typeface="Arial" charset="0"/>
-                <a:ea typeface="ＭＳ Ｐゴシック" charset="0"/>
-                <a:cs typeface="ＭＳ Ｐゴシック" charset="0"/>
-              </a:defRPr>
-            </a:lvl1pPr>
-            <a:lvl2pPr marL="742950" indent="-285750" eaLnBrk="0" hangingPunct="0">
-              <a:defRPr sz="2400">
-                <a:solidFill>
-                  <a:schemeClr val="tx1"/>
-                </a:solidFill>
-                <a:latin typeface="Arial" charset="0"/>
-                <a:ea typeface="ＭＳ Ｐゴシック" charset="0"/>
-              </a:defRPr>
-            </a:lvl2pPr>
-            <a:lvl3pPr marL="1143000" indent="-228600" eaLnBrk="0" hangingPunct="0">
-              <a:defRPr sz="2400">
-                <a:solidFill>
-                  <a:schemeClr val="tx1"/>
-                </a:solidFill>
-                <a:latin typeface="Arial" charset="0"/>
-                <a:ea typeface="ＭＳ Ｐゴシック" charset="0"/>
-              </a:defRPr>
-            </a:lvl3pPr>
-            <a:lvl4pPr marL="1600200" indent="-228600" eaLnBrk="0" hangingPunct="0">
-              <a:defRPr sz="2400">
-                <a:solidFill>
-                  <a:schemeClr val="tx1"/>
-                </a:solidFill>
-                <a:latin typeface="Arial" charset="0"/>
-                <a:ea typeface="ＭＳ Ｐゴシック" charset="0"/>
-              </a:defRPr>
-            </a:lvl4pPr>
-            <a:lvl5pPr marL="2057400" indent="-228600" eaLnBrk="0" hangingPunct="0">
-              <a:defRPr sz="2400">
-                <a:solidFill>
-                  <a:schemeClr val="tx1"/>
-                </a:solidFill>
-                <a:latin typeface="Arial" charset="0"/>
-                <a:ea typeface="ＭＳ Ｐゴシック" charset="0"/>
-              </a:defRPr>
-            </a:lvl5pPr>
-            <a:lvl6pPr marL="2514600" indent="-228600" eaLnBrk="0" fontAlgn="base" hangingPunct="0">
-              <a:spcBef>
-                <a:spcPct val="0"/>
-              </a:spcBef>
-              <a:spcAft>
-                <a:spcPct val="0"/>
-              </a:spcAft>
-              <a:defRPr sz="2400">
-                <a:solidFill>
-                  <a:schemeClr val="tx1"/>
-                </a:solidFill>
-                <a:latin typeface="Arial" charset="0"/>
-                <a:ea typeface="ＭＳ Ｐゴシック" charset="0"/>
-              </a:defRPr>
-            </a:lvl6pPr>
-            <a:lvl7pPr marL="2971800" indent="-228600" eaLnBrk="0" fontAlgn="base" hangingPunct="0">
-              <a:spcBef>
-                <a:spcPct val="0"/>
-              </a:spcBef>
-              <a:spcAft>
-                <a:spcPct val="0"/>
-              </a:spcAft>
-              <a:defRPr sz="2400">
-                <a:solidFill>
-                  <a:schemeClr val="tx1"/>
-                </a:solidFill>
-                <a:latin typeface="Arial" charset="0"/>
-                <a:ea typeface="ＭＳ Ｐゴシック" charset="0"/>
-              </a:defRPr>
-            </a:lvl7pPr>
-            <a:lvl8pPr marL="3429000" indent="-228600" eaLnBrk="0" fontAlgn="base" hangingPunct="0">
-              <a:spcBef>
-                <a:spcPct val="0"/>
-              </a:spcBef>
-              <a:spcAft>
-                <a:spcPct val="0"/>
-              </a:spcAft>
-              <a:defRPr sz="2400">
-                <a:solidFill>
-                  <a:schemeClr val="tx1"/>
-                </a:solidFill>
-                <a:latin typeface="Arial" charset="0"/>
-                <a:ea typeface="ＭＳ Ｐゴシック" charset="0"/>
-              </a:defRPr>
-            </a:lvl8pPr>
-            <a:lvl9pPr marL="3886200" indent="-228600" eaLnBrk="0" fontAlgn="base" hangingPunct="0">
-              <a:spcBef>
-                <a:spcPct val="0"/>
-              </a:spcBef>
-              <a:spcAft>
-                <a:spcPct val="0"/>
-              </a:spcAft>
-              <a:defRPr sz="2400">
-                <a:solidFill>
-                  <a:schemeClr val="tx1"/>
-                </a:solidFill>
-                <a:latin typeface="Arial" charset="0"/>
-                <a:ea typeface="ＭＳ Ｐゴシック" charset="0"/>
-              </a:defRPr>
-            </a:lvl9pPr>
-          </a:lstStyle>
-          <a:p>
-            <a:pPr eaLnBrk="1" hangingPunct="1"/>
-            <a:fld id="{73E3D24D-08F6-7B49-9839-DAC112EE62EE}" type="slidenum">
-              <a:rPr lang="en-US" sz="1300">
-                <a:latin typeface="Calibri" charset="0"/>
-              </a:rPr>
-              <a:pPr eaLnBrk="1" hangingPunct="1"/>
-              <a:t>6</a:t>
-            </a:fld>
-            <a:endParaRPr lang="en-US" sz="1300">
-              <a:latin typeface="Calibri" charset="0"/>
-            </a:endParaRPr>
-          </a:p>
-        </p:txBody>
-      </p:sp>
-    </p:spTree>
-  </p:cSld>
-  <p:clrMapOvr>
-    <a:masterClrMapping/>
-  </p:clrMapOvr>
-</p:notes>
-</file>
-
-<file path=ppt/notesSlides/notesSlide5.xml><?xml version="1.0" encoding="utf-8"?>
-<p:notes xmlns:a="http://schemas.openxmlformats.org/drawingml/2006/main" xmlns:r="http://schemas.openxmlformats.org/officeDocument/2006/relationships" xmlns:p="http://schemas.openxmlformats.org/presentationml/2006/main">
-  <p:cSld>
-    <p:spTree>
-      <p:nvGrpSpPr>
-        <p:cNvPr id="1" name=""/>
-        <p:cNvGrpSpPr/>
-        <p:nvPr/>
-      </p:nvGrpSpPr>
-      <p:grpSpPr>
-        <a:xfrm>
-          <a:off x="0" y="0"/>
-          <a:ext cx="0" cy="0"/>
-          <a:chOff x="0" y="0"/>
-          <a:chExt cx="0" cy="0"/>
-        </a:xfrm>
-      </p:grpSpPr>
-      <p:sp>
-        <p:nvSpPr>
-          <p:cNvPr id="24577" name="Slide Image Placeholder 1"/>
-          <p:cNvSpPr>
-            <a:spLocks noGrp="1" noRot="1" noChangeAspect="1"/>
-          </p:cNvSpPr>
-          <p:nvPr>
-            <p:ph type="sldImg"/>
-          </p:nvPr>
-        </p:nvSpPr>
-        <p:spPr bwMode="auto">
-          <a:noFill/>
-          <a:ln>
-            <a:solidFill>
-              <a:srgbClr val="000000"/>
-            </a:solidFill>
-            <a:miter lim="800000"/>
-            <a:headEnd/>
-            <a:tailEnd/>
-          </a:ln>
-          <a:extLst>
-            <a:ext uri="{909E8E84-426E-40dd-AFC4-6F175D3DCCD1}">
-              <a14:hiddenFill xmlns:a14="http://schemas.microsoft.com/office/drawing/2010/main">
-                <a:solidFill>
-                  <a:srgbClr val="FFFFFF"/>
-                </a:solidFill>
-              </a14:hiddenFill>
-            </a:ext>
-            <a:ext uri="{FAA26D3D-D897-4be2-8F04-BA451C77F1D7}">
-              <ma14:placeholderFlag xmlns:ma14="http://schemas.microsoft.com/office/mac/drawingml/2011/main" val="1"/>
-            </a:ext>
-          </a:extLst>
-        </p:spPr>
-      </p:sp>
-      <p:sp>
-        <p:nvSpPr>
-          <p:cNvPr id="24578" name="Notes Placeholder 2"/>
-          <p:cNvSpPr>
-            <a:spLocks noGrp="1"/>
-          </p:cNvSpPr>
-          <p:nvPr>
-            <p:ph type="body" idx="1"/>
-          </p:nvPr>
-        </p:nvSpPr>
-        <p:spPr bwMode="auto">
-          <a:noFill/>
-          <a:extLst>
-            <a:ext uri="{909E8E84-426E-40dd-AFC4-6F175D3DCCD1}">
-              <a14:hiddenFill xmlns:a14="http://schemas.microsoft.com/office/drawing/2010/main">
-                <a:solidFill>
-                  <a:srgbClr val="FFFFFF"/>
-                </a:solidFill>
-              </a14:hiddenFill>
-            </a:ext>
-            <a:ext uri="{91240B29-F687-4f45-9708-019B960494DF}">
-              <a14:hiddenLine xmlns:a14="http://schemas.microsoft.com/office/drawing/2010/main" w="9525">
-                <a:solidFill>
-                  <a:srgbClr val="000000"/>
-                </a:solidFill>
-                <a:miter lim="800000"/>
-                <a:headEnd/>
-                <a:tailEnd/>
-              </a14:hiddenLine>
-            </a:ext>
-            <a:ext uri="{FAA26D3D-D897-4be2-8F04-BA451C77F1D7}">
-              <ma14:placeholderFlag xmlns:ma14="http://schemas.microsoft.com/office/mac/drawingml/2011/main" val="1"/>
-            </a:ext>
-          </a:extLst>
-        </p:spPr>
-        <p:txBody>
-          <a:bodyPr wrap="square" numCol="1" anchor="t" anchorCtr="0" compatLnSpc="1">
-            <a:prstTxWarp prst="textNoShape">
-              <a:avLst/>
-            </a:prstTxWarp>
-          </a:bodyPr>
-          <a:lstStyle/>
-          <a:p>
-            <a:endParaRPr lang="en-US">
-              <a:latin typeface="Calibri" charset="0"/>
-              <a:ea typeface="ＭＳ Ｐゴシック" charset="0"/>
-              <a:cs typeface="ＭＳ Ｐゴシック" charset="0"/>
-            </a:endParaRPr>
-          </a:p>
-        </p:txBody>
-      </p:sp>
-      <p:sp>
-        <p:nvSpPr>
-          <p:cNvPr id="24579" name="Slide Number Placeholder 3"/>
-          <p:cNvSpPr>
-            <a:spLocks noGrp="1"/>
-          </p:cNvSpPr>
-          <p:nvPr>
-            <p:ph type="sldNum" sz="quarter" idx="5"/>
-          </p:nvPr>
-        </p:nvSpPr>
-        <p:spPr bwMode="auto">
-          <a:noFill/>
-          <a:extLst>
-            <a:ext uri="{909E8E84-426E-40dd-AFC4-6F175D3DCCD1}">
-              <a14:hiddenFill xmlns:a14="http://schemas.microsoft.com/office/drawing/2010/main">
-                <a:solidFill>
-                  <a:srgbClr val="FFFFFF"/>
-                </a:solidFill>
-              </a14:hiddenFill>
-            </a:ext>
-            <a:ext uri="{91240B29-F687-4f45-9708-019B960494DF}">
-              <a14:hiddenLine xmlns:a14="http://schemas.microsoft.com/office/drawing/2010/main" w="9525">
-                <a:solidFill>
-                  <a:srgbClr val="000000"/>
-                </a:solidFill>
-                <a:miter lim="800000"/>
-                <a:headEnd/>
-                <a:tailEnd/>
-              </a14:hiddenLine>
-            </a:ext>
-          </a:extLst>
-        </p:spPr>
-        <p:txBody>
-          <a:bodyPr/>
-          <a:lstStyle>
-            <a:lvl1pPr eaLnBrk="0" hangingPunct="0">
-              <a:defRPr sz="2400">
-                <a:solidFill>
-                  <a:schemeClr val="tx1"/>
-                </a:solidFill>
-                <a:latin typeface="Arial" charset="0"/>
-                <a:ea typeface="ＭＳ Ｐゴシック" charset="0"/>
-                <a:cs typeface="ＭＳ Ｐゴシック" charset="0"/>
-              </a:defRPr>
-            </a:lvl1pPr>
-            <a:lvl2pPr marL="742950" indent="-285750" eaLnBrk="0" hangingPunct="0">
-              <a:defRPr sz="2400">
-                <a:solidFill>
-                  <a:schemeClr val="tx1"/>
-                </a:solidFill>
-                <a:latin typeface="Arial" charset="0"/>
-                <a:ea typeface="ＭＳ Ｐゴシック" charset="0"/>
-              </a:defRPr>
-            </a:lvl2pPr>
-            <a:lvl3pPr marL="1143000" indent="-228600" eaLnBrk="0" hangingPunct="0">
-              <a:defRPr sz="2400">
-                <a:solidFill>
-                  <a:schemeClr val="tx1"/>
-                </a:solidFill>
-                <a:latin typeface="Arial" charset="0"/>
-                <a:ea typeface="ＭＳ Ｐゴシック" charset="0"/>
-              </a:defRPr>
-            </a:lvl3pPr>
-            <a:lvl4pPr marL="1600200" indent="-228600" eaLnBrk="0" hangingPunct="0">
-              <a:defRPr sz="2400">
-                <a:solidFill>
-                  <a:schemeClr val="tx1"/>
-                </a:solidFill>
-                <a:latin typeface="Arial" charset="0"/>
-                <a:ea typeface="ＭＳ Ｐゴシック" charset="0"/>
-              </a:defRPr>
-            </a:lvl4pPr>
-            <a:lvl5pPr marL="2057400" indent="-228600" eaLnBrk="0" hangingPunct="0">
-              <a:defRPr sz="2400">
-                <a:solidFill>
-                  <a:schemeClr val="tx1"/>
-                </a:solidFill>
-                <a:latin typeface="Arial" charset="0"/>
-                <a:ea typeface="ＭＳ Ｐゴシック" charset="0"/>
-              </a:defRPr>
-            </a:lvl5pPr>
-            <a:lvl6pPr marL="2514600" indent="-228600" eaLnBrk="0" fontAlgn="base" hangingPunct="0">
-              <a:spcBef>
-                <a:spcPct val="0"/>
-              </a:spcBef>
-              <a:spcAft>
-                <a:spcPct val="0"/>
-              </a:spcAft>
-              <a:defRPr sz="2400">
-                <a:solidFill>
-                  <a:schemeClr val="tx1"/>
-                </a:solidFill>
-                <a:latin typeface="Arial" charset="0"/>
-                <a:ea typeface="ＭＳ Ｐゴシック" charset="0"/>
-              </a:defRPr>
-            </a:lvl6pPr>
-            <a:lvl7pPr marL="2971800" indent="-228600" eaLnBrk="0" fontAlgn="base" hangingPunct="0">
-              <a:spcBef>
-                <a:spcPct val="0"/>
-              </a:spcBef>
-              <a:spcAft>
-                <a:spcPct val="0"/>
-              </a:spcAft>
-              <a:defRPr sz="2400">
-                <a:solidFill>
-                  <a:schemeClr val="tx1"/>
-                </a:solidFill>
-                <a:latin typeface="Arial" charset="0"/>
-                <a:ea typeface="ＭＳ Ｐゴシック" charset="0"/>
-              </a:defRPr>
-            </a:lvl7pPr>
-            <a:lvl8pPr marL="3429000" indent="-228600" eaLnBrk="0" fontAlgn="base" hangingPunct="0">
-              <a:spcBef>
-                <a:spcPct val="0"/>
-              </a:spcBef>
-              <a:spcAft>
-                <a:spcPct val="0"/>
-              </a:spcAft>
-              <a:defRPr sz="2400">
-                <a:solidFill>
-                  <a:schemeClr val="tx1"/>
-                </a:solidFill>
-                <a:latin typeface="Arial" charset="0"/>
-                <a:ea typeface="ＭＳ Ｐゴシック" charset="0"/>
-              </a:defRPr>
-            </a:lvl8pPr>
-            <a:lvl9pPr marL="3886200" indent="-228600" eaLnBrk="0" fontAlgn="base" hangingPunct="0">
-              <a:spcBef>
-                <a:spcPct val="0"/>
-              </a:spcBef>
-              <a:spcAft>
-                <a:spcPct val="0"/>
-              </a:spcAft>
-              <a:defRPr sz="2400">
-                <a:solidFill>
-                  <a:schemeClr val="tx1"/>
-                </a:solidFill>
-                <a:latin typeface="Arial" charset="0"/>
-                <a:ea typeface="ＭＳ Ｐゴシック" charset="0"/>
-              </a:defRPr>
-            </a:lvl9pPr>
-          </a:lstStyle>
-          <a:p>
-            <a:pPr eaLnBrk="1" hangingPunct="1"/>
-            <a:fld id="{34BC56C5-F060-DF44-994D-A9821A896299}" type="slidenum">
-              <a:rPr lang="en-US" sz="1300">
-                <a:latin typeface="Calibri" charset="0"/>
-              </a:rPr>
-              <a:pPr eaLnBrk="1" hangingPunct="1"/>
-              <a:t>7</a:t>
-            </a:fld>
-            <a:endParaRPr lang="en-US" sz="1300">
-              <a:latin typeface="Calibri" charset="0"/>
-            </a:endParaRPr>
-          </a:p>
-        </p:txBody>
-      </p:sp>
-    </p:spTree>
-  </p:cSld>
-  <p:clrMapOvr>
-    <a:masterClrMapping/>
-  </p:clrMapOvr>
-</p:notes>
-</file>
-
-<file path=ppt/notesSlides/notesSlide6.xml><?xml version="1.0" encoding="utf-8"?>
-<p:notes xmlns:a="http://schemas.openxmlformats.org/drawingml/2006/main" xmlns:r="http://schemas.openxmlformats.org/officeDocument/2006/relationships" xmlns:p="http://schemas.openxmlformats.org/presentationml/2006/main">
-  <p:cSld>
-    <p:spTree>
-      <p:nvGrpSpPr>
-        <p:cNvPr id="1" name=""/>
-        <p:cNvGrpSpPr/>
-        <p:nvPr/>
-      </p:nvGrpSpPr>
-      <p:grpSpPr>
-        <a:xfrm>
-          <a:off x="0" y="0"/>
-          <a:ext cx="0" cy="0"/>
-          <a:chOff x="0" y="0"/>
-          <a:chExt cx="0" cy="0"/>
-        </a:xfrm>
-      </p:grpSpPr>
-      <p:sp>
-        <p:nvSpPr>
-          <p:cNvPr id="26625" name="Slide Image Placeholder 1"/>
-          <p:cNvSpPr>
-            <a:spLocks noGrp="1" noRot="1" noChangeAspect="1"/>
-          </p:cNvSpPr>
-          <p:nvPr>
-            <p:ph type="sldImg"/>
-          </p:nvPr>
-        </p:nvSpPr>
-        <p:spPr bwMode="auto">
-          <a:noFill/>
-          <a:ln>
-            <a:solidFill>
-              <a:srgbClr val="000000"/>
-            </a:solidFill>
-            <a:miter lim="800000"/>
-            <a:headEnd/>
-            <a:tailEnd/>
-          </a:ln>
-          <a:extLst>
-            <a:ext uri="{909E8E84-426E-40dd-AFC4-6F175D3DCCD1}">
-              <a14:hiddenFill xmlns:a14="http://schemas.microsoft.com/office/drawing/2010/main">
-                <a:solidFill>
-                  <a:srgbClr val="FFFFFF"/>
-                </a:solidFill>
-              </a14:hiddenFill>
-            </a:ext>
-            <a:ext uri="{FAA26D3D-D897-4be2-8F04-BA451C77F1D7}">
-              <ma14:placeholderFlag xmlns:ma14="http://schemas.microsoft.com/office/mac/drawingml/2011/main" val="1"/>
-            </a:ext>
-          </a:extLst>
-        </p:spPr>
-      </p:sp>
-      <p:sp>
-        <p:nvSpPr>
-          <p:cNvPr id="26626" name="Notes Placeholder 2"/>
-          <p:cNvSpPr>
-            <a:spLocks noGrp="1"/>
-          </p:cNvSpPr>
-          <p:nvPr>
-            <p:ph type="body" idx="1"/>
-          </p:nvPr>
-        </p:nvSpPr>
-        <p:spPr bwMode="auto">
-          <a:noFill/>
-          <a:extLst>
-            <a:ext uri="{909E8E84-426E-40dd-AFC4-6F175D3DCCD1}">
-              <a14:hiddenFill xmlns:a14="http://schemas.microsoft.com/office/drawing/2010/main">
-                <a:solidFill>
-                  <a:srgbClr val="FFFFFF"/>
-                </a:solidFill>
-              </a14:hiddenFill>
-            </a:ext>
-            <a:ext uri="{91240B29-F687-4f45-9708-019B960494DF}">
-              <a14:hiddenLine xmlns:a14="http://schemas.microsoft.com/office/drawing/2010/main" w="9525">
-                <a:solidFill>
-                  <a:srgbClr val="000000"/>
-                </a:solidFill>
-                <a:miter lim="800000"/>
-                <a:headEnd/>
-                <a:tailEnd/>
-              </a14:hiddenLine>
-            </a:ext>
-            <a:ext uri="{FAA26D3D-D897-4be2-8F04-BA451C77F1D7}">
-              <ma14:placeholderFlag xmlns:ma14="http://schemas.microsoft.com/office/mac/drawingml/2011/main" val="1"/>
-            </a:ext>
-          </a:extLst>
-        </p:spPr>
-        <p:txBody>
-          <a:bodyPr wrap="square" numCol="1" anchor="t" anchorCtr="0" compatLnSpc="1">
-            <a:prstTxWarp prst="textNoShape">
-              <a:avLst/>
-            </a:prstTxWarp>
-          </a:bodyPr>
-          <a:lstStyle/>
-          <a:p>
-            <a:endParaRPr lang="en-US">
-              <a:latin typeface="Calibri" charset="0"/>
-              <a:ea typeface="ＭＳ Ｐゴシック" charset="0"/>
-              <a:cs typeface="ＭＳ Ｐゴシック" charset="0"/>
-            </a:endParaRPr>
-          </a:p>
-        </p:txBody>
-      </p:sp>
-      <p:sp>
-        <p:nvSpPr>
-          <p:cNvPr id="26627" name="Slide Number Placeholder 3"/>
-          <p:cNvSpPr>
-            <a:spLocks noGrp="1"/>
-          </p:cNvSpPr>
-          <p:nvPr>
-            <p:ph type="sldNum" sz="quarter" idx="5"/>
-          </p:nvPr>
-        </p:nvSpPr>
-        <p:spPr bwMode="auto">
-          <a:noFill/>
-          <a:extLst>
-            <a:ext uri="{909E8E84-426E-40dd-AFC4-6F175D3DCCD1}">
-              <a14:hiddenFill xmlns:a14="http://schemas.microsoft.com/office/drawing/2010/main">
-                <a:solidFill>
-                  <a:srgbClr val="FFFFFF"/>
-                </a:solidFill>
-              </a14:hiddenFill>
-            </a:ext>
-            <a:ext uri="{91240B29-F687-4f45-9708-019B960494DF}">
-              <a14:hiddenLine xmlns:a14="http://schemas.microsoft.com/office/drawing/2010/main" w="9525">
-                <a:solidFill>
-                  <a:srgbClr val="000000"/>
-                </a:solidFill>
-                <a:miter lim="800000"/>
-                <a:headEnd/>
-                <a:tailEnd/>
-              </a14:hiddenLine>
-            </a:ext>
-          </a:extLst>
-        </p:spPr>
-        <p:txBody>
-          <a:bodyPr/>
-          <a:lstStyle>
-            <a:lvl1pPr eaLnBrk="0" hangingPunct="0">
-              <a:defRPr sz="2400">
-                <a:solidFill>
-                  <a:schemeClr val="tx1"/>
-                </a:solidFill>
-                <a:latin typeface="Arial" charset="0"/>
-                <a:ea typeface="ＭＳ Ｐゴシック" charset="0"/>
-                <a:cs typeface="ＭＳ Ｐゴシック" charset="0"/>
-              </a:defRPr>
-            </a:lvl1pPr>
-            <a:lvl2pPr marL="742950" indent="-285750" eaLnBrk="0" hangingPunct="0">
-              <a:defRPr sz="2400">
-                <a:solidFill>
-                  <a:schemeClr val="tx1"/>
-                </a:solidFill>
-                <a:latin typeface="Arial" charset="0"/>
-                <a:ea typeface="ＭＳ Ｐゴシック" charset="0"/>
-              </a:defRPr>
-            </a:lvl2pPr>
-            <a:lvl3pPr marL="1143000" indent="-228600" eaLnBrk="0" hangingPunct="0">
-              <a:defRPr sz="2400">
-                <a:solidFill>
-                  <a:schemeClr val="tx1"/>
-                </a:solidFill>
-                <a:latin typeface="Arial" charset="0"/>
-                <a:ea typeface="ＭＳ Ｐゴシック" charset="0"/>
-              </a:defRPr>
-            </a:lvl3pPr>
-            <a:lvl4pPr marL="1600200" indent="-228600" eaLnBrk="0" hangingPunct="0">
-              <a:defRPr sz="2400">
-                <a:solidFill>
-                  <a:schemeClr val="tx1"/>
-                </a:solidFill>
-                <a:latin typeface="Arial" charset="0"/>
-                <a:ea typeface="ＭＳ Ｐゴシック" charset="0"/>
-              </a:defRPr>
-            </a:lvl4pPr>
-            <a:lvl5pPr marL="2057400" indent="-228600" eaLnBrk="0" hangingPunct="0">
-              <a:defRPr sz="2400">
-                <a:solidFill>
-                  <a:schemeClr val="tx1"/>
-                </a:solidFill>
-                <a:latin typeface="Arial" charset="0"/>
-                <a:ea typeface="ＭＳ Ｐゴシック" charset="0"/>
-              </a:defRPr>
-            </a:lvl5pPr>
-            <a:lvl6pPr marL="2514600" indent="-228600" eaLnBrk="0" fontAlgn="base" hangingPunct="0">
-              <a:spcBef>
-                <a:spcPct val="0"/>
-              </a:spcBef>
-              <a:spcAft>
-                <a:spcPct val="0"/>
-              </a:spcAft>
-              <a:defRPr sz="2400">
-                <a:solidFill>
-                  <a:schemeClr val="tx1"/>
-                </a:solidFill>
-                <a:latin typeface="Arial" charset="0"/>
-                <a:ea typeface="ＭＳ Ｐゴシック" charset="0"/>
-              </a:defRPr>
-            </a:lvl6pPr>
-            <a:lvl7pPr marL="2971800" indent="-228600" eaLnBrk="0" fontAlgn="base" hangingPunct="0">
-              <a:spcBef>
-                <a:spcPct val="0"/>
-              </a:spcBef>
-              <a:spcAft>
-                <a:spcPct val="0"/>
-              </a:spcAft>
-              <a:defRPr sz="2400">
-                <a:solidFill>
-                  <a:schemeClr val="tx1"/>
-                </a:solidFill>
-                <a:latin typeface="Arial" charset="0"/>
-                <a:ea typeface="ＭＳ Ｐゴシック" charset="0"/>
-              </a:defRPr>
-            </a:lvl7pPr>
-            <a:lvl8pPr marL="3429000" indent="-228600" eaLnBrk="0" fontAlgn="base" hangingPunct="0">
-              <a:spcBef>
-                <a:spcPct val="0"/>
-              </a:spcBef>
-              <a:spcAft>
-                <a:spcPct val="0"/>
-              </a:spcAft>
-              <a:defRPr sz="2400">
-                <a:solidFill>
-                  <a:schemeClr val="tx1"/>
-                </a:solidFill>
-                <a:latin typeface="Arial" charset="0"/>
-                <a:ea typeface="ＭＳ Ｐゴシック" charset="0"/>
-              </a:defRPr>
-            </a:lvl8pPr>
-            <a:lvl9pPr marL="3886200" indent="-228600" eaLnBrk="0" fontAlgn="base" hangingPunct="0">
-              <a:spcBef>
-                <a:spcPct val="0"/>
-              </a:spcBef>
-              <a:spcAft>
-                <a:spcPct val="0"/>
-              </a:spcAft>
-              <a:defRPr sz="2400">
-                <a:solidFill>
-                  <a:schemeClr val="tx1"/>
-                </a:solidFill>
-                <a:latin typeface="Arial" charset="0"/>
-                <a:ea typeface="ＭＳ Ｐゴシック" charset="0"/>
-              </a:defRPr>
-            </a:lvl9pPr>
-          </a:lstStyle>
-          <a:p>
-            <a:pPr eaLnBrk="1" hangingPunct="1"/>
-            <a:fld id="{3C0CB393-510B-E246-BC60-1DF31FE09D0C}" type="slidenum">
-              <a:rPr lang="en-US" sz="1300">
-                <a:latin typeface="Calibri" charset="0"/>
-              </a:rPr>
-              <a:pPr eaLnBrk="1" hangingPunct="1"/>
-              <a:t>8</a:t>
-            </a:fld>
-            <a:endParaRPr lang="en-US" sz="1300">
-              <a:latin typeface="Calibri" charset="0"/>
-            </a:endParaRPr>
-          </a:p>
-        </p:txBody>
-      </p:sp>
-    </p:spTree>
-  </p:cSld>
-  <p:clrMapOvr>
-    <a:masterClrMapping/>
-  </p:clrMapOvr>
-</p:notes>
-</file>
-
-<file path=ppt/notesSlides/notesSlide7.xml><?xml version="1.0" encoding="utf-8"?>
-<p:notes xmlns:a="http://schemas.openxmlformats.org/drawingml/2006/main" xmlns:r="http://schemas.openxmlformats.org/officeDocument/2006/relationships" xmlns:p="http://schemas.openxmlformats.org/presentationml/2006/main">
-  <p:cSld>
-    <p:spTree>
-      <p:nvGrpSpPr>
-        <p:cNvPr id="1" name=""/>
-        <p:cNvGrpSpPr/>
-        <p:nvPr/>
-      </p:nvGrpSpPr>
-      <p:grpSpPr>
-        <a:xfrm>
-          <a:off x="0" y="0"/>
-          <a:ext cx="0" cy="0"/>
-          <a:chOff x="0" y="0"/>
-          <a:chExt cx="0" cy="0"/>
-        </a:xfrm>
-      </p:grpSpPr>
-      <p:sp>
-        <p:nvSpPr>
-          <p:cNvPr id="28673" name="Slide Image Placeholder 1"/>
-          <p:cNvSpPr>
-            <a:spLocks noGrp="1" noRot="1" noChangeAspect="1"/>
-          </p:cNvSpPr>
-          <p:nvPr>
-            <p:ph type="sldImg"/>
-          </p:nvPr>
-        </p:nvSpPr>
-        <p:spPr bwMode="auto">
-          <a:noFill/>
-          <a:ln>
-            <a:solidFill>
-              <a:srgbClr val="000000"/>
-            </a:solidFill>
-            <a:miter lim="800000"/>
-            <a:headEnd/>
-            <a:tailEnd/>
-          </a:ln>
-          <a:extLst>
-            <a:ext uri="{909E8E84-426E-40dd-AFC4-6F175D3DCCD1}">
-              <a14:hiddenFill xmlns:a14="http://schemas.microsoft.com/office/drawing/2010/main">
-                <a:solidFill>
-                  <a:srgbClr val="FFFFFF"/>
-                </a:solidFill>
-              </a14:hiddenFill>
-            </a:ext>
-            <a:ext uri="{FAA26D3D-D897-4be2-8F04-BA451C77F1D7}">
-              <ma14:placeholderFlag xmlns:ma14="http://schemas.microsoft.com/office/mac/drawingml/2011/main" val="1"/>
-            </a:ext>
-          </a:extLst>
-        </p:spPr>
-      </p:sp>
-      <p:sp>
-        <p:nvSpPr>
-          <p:cNvPr id="28674" name="Notes Placeholder 2"/>
-          <p:cNvSpPr>
-            <a:spLocks noGrp="1"/>
-          </p:cNvSpPr>
-          <p:nvPr>
-            <p:ph type="body" idx="1"/>
-          </p:nvPr>
-        </p:nvSpPr>
-        <p:spPr bwMode="auto">
-          <a:noFill/>
-          <a:extLst>
-            <a:ext uri="{909E8E84-426E-40dd-AFC4-6F175D3DCCD1}">
-              <a14:hiddenFill xmlns:a14="http://schemas.microsoft.com/office/drawing/2010/main">
-                <a:solidFill>
-                  <a:srgbClr val="FFFFFF"/>
-                </a:solidFill>
-              </a14:hiddenFill>
-            </a:ext>
-            <a:ext uri="{91240B29-F687-4f45-9708-019B960494DF}">
-              <a14:hiddenLine xmlns:a14="http://schemas.microsoft.com/office/drawing/2010/main" w="9525">
-                <a:solidFill>
-                  <a:srgbClr val="000000"/>
-                </a:solidFill>
-                <a:miter lim="800000"/>
-                <a:headEnd/>
-                <a:tailEnd/>
-              </a14:hiddenLine>
-            </a:ext>
-            <a:ext uri="{FAA26D3D-D897-4be2-8F04-BA451C77F1D7}">
-              <ma14:placeholderFlag xmlns:ma14="http://schemas.microsoft.com/office/mac/drawingml/2011/main" val="1"/>
-            </a:ext>
-          </a:extLst>
-        </p:spPr>
-        <p:txBody>
-          <a:bodyPr wrap="square" numCol="1" anchor="t" anchorCtr="0" compatLnSpc="1">
-            <a:prstTxWarp prst="textNoShape">
-              <a:avLst/>
-            </a:prstTxWarp>
-          </a:bodyPr>
-          <a:lstStyle/>
-          <a:p>
-            <a:endParaRPr lang="en-US">
-              <a:latin typeface="Calibri" charset="0"/>
-              <a:ea typeface="ＭＳ Ｐゴシック" charset="0"/>
-              <a:cs typeface="ＭＳ Ｐゴシック" charset="0"/>
-            </a:endParaRPr>
-          </a:p>
-        </p:txBody>
-      </p:sp>
-      <p:sp>
-        <p:nvSpPr>
-          <p:cNvPr id="28675" name="Slide Number Placeholder 3"/>
-          <p:cNvSpPr>
-            <a:spLocks noGrp="1"/>
-          </p:cNvSpPr>
-          <p:nvPr>
-            <p:ph type="sldNum" sz="quarter" idx="5"/>
-          </p:nvPr>
-        </p:nvSpPr>
-        <p:spPr bwMode="auto">
-          <a:noFill/>
-          <a:extLst>
-            <a:ext uri="{909E8E84-426E-40dd-AFC4-6F175D3DCCD1}">
-              <a14:hiddenFill xmlns:a14="http://schemas.microsoft.com/office/drawing/2010/main">
-                <a:solidFill>
-                  <a:srgbClr val="FFFFFF"/>
-                </a:solidFill>
-              </a14:hiddenFill>
-            </a:ext>
-            <a:ext uri="{91240B29-F687-4f45-9708-019B960494DF}">
-              <a14:hiddenLine xmlns:a14="http://schemas.microsoft.com/office/drawing/2010/main" w="9525">
-                <a:solidFill>
-                  <a:srgbClr val="000000"/>
-                </a:solidFill>
-                <a:miter lim="800000"/>
-                <a:headEnd/>
-                <a:tailEnd/>
-              </a14:hiddenLine>
-            </a:ext>
-          </a:extLst>
-        </p:spPr>
-        <p:txBody>
-          <a:bodyPr/>
-          <a:lstStyle>
-            <a:lvl1pPr eaLnBrk="0" hangingPunct="0">
-              <a:defRPr sz="2400">
-                <a:solidFill>
-                  <a:schemeClr val="tx1"/>
-                </a:solidFill>
-                <a:latin typeface="Arial" charset="0"/>
-                <a:ea typeface="ＭＳ Ｐゴシック" charset="0"/>
-                <a:cs typeface="ＭＳ Ｐゴシック" charset="0"/>
-              </a:defRPr>
-            </a:lvl1pPr>
-            <a:lvl2pPr marL="742950" indent="-285750" eaLnBrk="0" hangingPunct="0">
-              <a:defRPr sz="2400">
-                <a:solidFill>
-                  <a:schemeClr val="tx1"/>
-                </a:solidFill>
-                <a:latin typeface="Arial" charset="0"/>
-                <a:ea typeface="ＭＳ Ｐゴシック" charset="0"/>
-              </a:defRPr>
-            </a:lvl2pPr>
-            <a:lvl3pPr marL="1143000" indent="-228600" eaLnBrk="0" hangingPunct="0">
-              <a:defRPr sz="2400">
-                <a:solidFill>
-                  <a:schemeClr val="tx1"/>
-                </a:solidFill>
-                <a:latin typeface="Arial" charset="0"/>
-                <a:ea typeface="ＭＳ Ｐゴシック" charset="0"/>
-              </a:defRPr>
-            </a:lvl3pPr>
-            <a:lvl4pPr marL="1600200" indent="-228600" eaLnBrk="0" hangingPunct="0">
-              <a:defRPr sz="2400">
-                <a:solidFill>
-                  <a:schemeClr val="tx1"/>
-                </a:solidFill>
-                <a:latin typeface="Arial" charset="0"/>
-                <a:ea typeface="ＭＳ Ｐゴシック" charset="0"/>
-              </a:defRPr>
-            </a:lvl4pPr>
-            <a:lvl5pPr marL="2057400" indent="-228600" eaLnBrk="0" hangingPunct="0">
-              <a:defRPr sz="2400">
-                <a:solidFill>
-                  <a:schemeClr val="tx1"/>
-                </a:solidFill>
-                <a:latin typeface="Arial" charset="0"/>
-                <a:ea typeface="ＭＳ Ｐゴシック" charset="0"/>
-              </a:defRPr>
-            </a:lvl5pPr>
-            <a:lvl6pPr marL="2514600" indent="-228600" eaLnBrk="0" fontAlgn="base" hangingPunct="0">
-              <a:spcBef>
-                <a:spcPct val="0"/>
-              </a:spcBef>
-              <a:spcAft>
-                <a:spcPct val="0"/>
-              </a:spcAft>
-              <a:defRPr sz="2400">
-                <a:solidFill>
-                  <a:schemeClr val="tx1"/>
-                </a:solidFill>
-                <a:latin typeface="Arial" charset="0"/>
-                <a:ea typeface="ＭＳ Ｐゴシック" charset="0"/>
-              </a:defRPr>
-            </a:lvl6pPr>
-            <a:lvl7pPr marL="2971800" indent="-228600" eaLnBrk="0" fontAlgn="base" hangingPunct="0">
-              <a:spcBef>
-                <a:spcPct val="0"/>
-              </a:spcBef>
-              <a:spcAft>
-                <a:spcPct val="0"/>
-              </a:spcAft>
-              <a:defRPr sz="2400">
-                <a:solidFill>
-                  <a:schemeClr val="tx1"/>
-                </a:solidFill>
-                <a:latin typeface="Arial" charset="0"/>
-                <a:ea typeface="ＭＳ Ｐゴシック" charset="0"/>
-              </a:defRPr>
-            </a:lvl7pPr>
-            <a:lvl8pPr marL="3429000" indent="-228600" eaLnBrk="0" fontAlgn="base" hangingPunct="0">
-              <a:spcBef>
-                <a:spcPct val="0"/>
-              </a:spcBef>
-              <a:spcAft>
-                <a:spcPct val="0"/>
-              </a:spcAft>
-              <a:defRPr sz="2400">
-                <a:solidFill>
-                  <a:schemeClr val="tx1"/>
-                </a:solidFill>
-                <a:latin typeface="Arial" charset="0"/>
-                <a:ea typeface="ＭＳ Ｐゴシック" charset="0"/>
-              </a:defRPr>
-            </a:lvl8pPr>
-            <a:lvl9pPr marL="3886200" indent="-228600" eaLnBrk="0" fontAlgn="base" hangingPunct="0">
-              <a:spcBef>
-                <a:spcPct val="0"/>
-              </a:spcBef>
-              <a:spcAft>
-                <a:spcPct val="0"/>
-              </a:spcAft>
-              <a:defRPr sz="2400">
-                <a:solidFill>
-                  <a:schemeClr val="tx1"/>
-                </a:solidFill>
-                <a:latin typeface="Arial" charset="0"/>
-                <a:ea typeface="ＭＳ Ｐゴシック" charset="0"/>
-              </a:defRPr>
-            </a:lvl9pPr>
-          </a:lstStyle>
-          <a:p>
-            <a:pPr eaLnBrk="1" hangingPunct="1"/>
-            <a:fld id="{5305FDC1-7DDA-024F-8F3C-1C297FAB028B}" type="slidenum">
-              <a:rPr lang="en-US" sz="1300">
-                <a:latin typeface="Calibri" charset="0"/>
-              </a:rPr>
-              <a:pPr eaLnBrk="1" hangingPunct="1"/>
-              <a:t>9</a:t>
-            </a:fld>
-            <a:endParaRPr lang="en-US" sz="1300">
-              <a:latin typeface="Calibri" charset="0"/>
-            </a:endParaRPr>
-          </a:p>
-        </p:txBody>
-      </p:sp>
-    </p:spTree>
-  </p:cSld>
-  <p:clrMapOvr>
-    <a:masterClrMapping/>
-  </p:clrMapOvr>
-</p:notes>
-</file>
-
-<file path=ppt/notesSlides/notesSlide8.xml><?xml version="1.0" encoding="utf-8"?>
-<p:notes xmlns:a="http://schemas.openxmlformats.org/drawingml/2006/main" xmlns:r="http://schemas.openxmlformats.org/officeDocument/2006/relationships" xmlns:p="http://schemas.openxmlformats.org/presentationml/2006/main">
-  <p:cSld>
-    <p:spTree>
-      <p:nvGrpSpPr>
-        <p:cNvPr id="1" name=""/>
-        <p:cNvGrpSpPr/>
-        <p:nvPr/>
-      </p:nvGrpSpPr>
-      <p:grpSpPr>
-        <a:xfrm>
-          <a:off x="0" y="0"/>
-          <a:ext cx="0" cy="0"/>
-          <a:chOff x="0" y="0"/>
-          <a:chExt cx="0" cy="0"/>
-        </a:xfrm>
-      </p:grpSpPr>
-      <p:sp>
-        <p:nvSpPr>
-          <p:cNvPr id="30721" name="Slide Image Placeholder 1"/>
-          <p:cNvSpPr>
-            <a:spLocks noGrp="1" noRot="1" noChangeAspect="1"/>
-          </p:cNvSpPr>
-          <p:nvPr>
-            <p:ph type="sldImg"/>
-          </p:nvPr>
-        </p:nvSpPr>
-        <p:spPr bwMode="auto">
-          <a:noFill/>
-          <a:ln>
-            <a:solidFill>
-              <a:srgbClr val="000000"/>
-            </a:solidFill>
-            <a:miter lim="800000"/>
-            <a:headEnd/>
-            <a:tailEnd/>
-          </a:ln>
-          <a:extLst>
-            <a:ext uri="{909E8E84-426E-40dd-AFC4-6F175D3DCCD1}">
-              <a14:hiddenFill xmlns:a14="http://schemas.microsoft.com/office/drawing/2010/main">
-                <a:solidFill>
-                  <a:srgbClr val="FFFFFF"/>
-                </a:solidFill>
-              </a14:hiddenFill>
-            </a:ext>
-            <a:ext uri="{FAA26D3D-D897-4be2-8F04-BA451C77F1D7}">
-              <ma14:placeholderFlag xmlns:ma14="http://schemas.microsoft.com/office/mac/drawingml/2011/main" val="1"/>
-            </a:ext>
-          </a:extLst>
-        </p:spPr>
-      </p:sp>
-      <p:sp>
-        <p:nvSpPr>
-          <p:cNvPr id="30722" name="Notes Placeholder 2"/>
-          <p:cNvSpPr>
-            <a:spLocks noGrp="1"/>
-          </p:cNvSpPr>
-          <p:nvPr>
-            <p:ph type="body" idx="1"/>
-          </p:nvPr>
-        </p:nvSpPr>
-        <p:spPr bwMode="auto">
-          <a:noFill/>
-          <a:extLst>
-            <a:ext uri="{909E8E84-426E-40dd-AFC4-6F175D3DCCD1}">
-              <a14:hiddenFill xmlns:a14="http://schemas.microsoft.com/office/drawing/2010/main">
-                <a:solidFill>
-                  <a:srgbClr val="FFFFFF"/>
-                </a:solidFill>
-              </a14:hiddenFill>
-            </a:ext>
-            <a:ext uri="{91240B29-F687-4f45-9708-019B960494DF}">
-              <a14:hiddenLine xmlns:a14="http://schemas.microsoft.com/office/drawing/2010/main" w="9525">
-                <a:solidFill>
-                  <a:srgbClr val="000000"/>
-                </a:solidFill>
-                <a:miter lim="800000"/>
-                <a:headEnd/>
-                <a:tailEnd/>
-              </a14:hiddenLine>
-            </a:ext>
-            <a:ext uri="{FAA26D3D-D897-4be2-8F04-BA451C77F1D7}">
-              <ma14:placeholderFlag xmlns:ma14="http://schemas.microsoft.com/office/mac/drawingml/2011/main" val="1"/>
-            </a:ext>
-          </a:extLst>
-        </p:spPr>
-        <p:txBody>
-          <a:bodyPr wrap="square" numCol="1" anchor="t" anchorCtr="0" compatLnSpc="1">
-            <a:prstTxWarp prst="textNoShape">
-              <a:avLst/>
-            </a:prstTxWarp>
-          </a:bodyPr>
-          <a:lstStyle/>
-          <a:p>
-            <a:endParaRPr lang="en-US">
-              <a:latin typeface="Calibri" charset="0"/>
-              <a:ea typeface="ＭＳ Ｐゴシック" charset="0"/>
-              <a:cs typeface="ＭＳ Ｐゴシック" charset="0"/>
-            </a:endParaRPr>
-          </a:p>
-        </p:txBody>
-      </p:sp>
-      <p:sp>
-        <p:nvSpPr>
-          <p:cNvPr id="30723" name="Slide Number Placeholder 3"/>
-          <p:cNvSpPr>
-            <a:spLocks noGrp="1"/>
-          </p:cNvSpPr>
-          <p:nvPr>
-            <p:ph type="sldNum" sz="quarter" idx="5"/>
-          </p:nvPr>
-        </p:nvSpPr>
-        <p:spPr bwMode="auto">
-          <a:noFill/>
-          <a:extLst>
-            <a:ext uri="{909E8E84-426E-40dd-AFC4-6F175D3DCCD1}">
-              <a14:hiddenFill xmlns:a14="http://schemas.microsoft.com/office/drawing/2010/main">
-                <a:solidFill>
-                  <a:srgbClr val="FFFFFF"/>
-                </a:solidFill>
-              </a14:hiddenFill>
-            </a:ext>
-            <a:ext uri="{91240B29-F687-4f45-9708-019B960494DF}">
-              <a14:hiddenLine xmlns:a14="http://schemas.microsoft.com/office/drawing/2010/main" w="9525">
-                <a:solidFill>
-                  <a:srgbClr val="000000"/>
-                </a:solidFill>
-                <a:miter lim="800000"/>
-                <a:headEnd/>
-                <a:tailEnd/>
-              </a14:hiddenLine>
-            </a:ext>
-          </a:extLst>
-        </p:spPr>
-        <p:txBody>
-          <a:bodyPr/>
-          <a:lstStyle>
-            <a:lvl1pPr eaLnBrk="0" hangingPunct="0">
-              <a:defRPr sz="2400">
-                <a:solidFill>
-                  <a:schemeClr val="tx1"/>
-                </a:solidFill>
-                <a:latin typeface="Arial" charset="0"/>
-                <a:ea typeface="ＭＳ Ｐゴシック" charset="0"/>
-                <a:cs typeface="ＭＳ Ｐゴシック" charset="0"/>
-              </a:defRPr>
-            </a:lvl1pPr>
-            <a:lvl2pPr marL="742950" indent="-285750" eaLnBrk="0" hangingPunct="0">
-              <a:defRPr sz="2400">
-                <a:solidFill>
-                  <a:schemeClr val="tx1"/>
-                </a:solidFill>
-                <a:latin typeface="Arial" charset="0"/>
-                <a:ea typeface="ＭＳ Ｐゴシック" charset="0"/>
-              </a:defRPr>
-            </a:lvl2pPr>
-            <a:lvl3pPr marL="1143000" indent="-228600" eaLnBrk="0" hangingPunct="0">
-              <a:defRPr sz="2400">
-                <a:solidFill>
-                  <a:schemeClr val="tx1"/>
-                </a:solidFill>
-                <a:latin typeface="Arial" charset="0"/>
-                <a:ea typeface="ＭＳ Ｐゴシック" charset="0"/>
-              </a:defRPr>
-            </a:lvl3pPr>
-            <a:lvl4pPr marL="1600200" indent="-228600" eaLnBrk="0" hangingPunct="0">
-              <a:defRPr sz="2400">
-                <a:solidFill>
-                  <a:schemeClr val="tx1"/>
-                </a:solidFill>
-                <a:latin typeface="Arial" charset="0"/>
-                <a:ea typeface="ＭＳ Ｐゴシック" charset="0"/>
-              </a:defRPr>
-            </a:lvl4pPr>
-            <a:lvl5pPr marL="2057400" indent="-228600" eaLnBrk="0" hangingPunct="0">
-              <a:defRPr sz="2400">
-                <a:solidFill>
-                  <a:schemeClr val="tx1"/>
-                </a:solidFill>
-                <a:latin typeface="Arial" charset="0"/>
-                <a:ea typeface="ＭＳ Ｐゴシック" charset="0"/>
-              </a:defRPr>
-            </a:lvl5pPr>
-            <a:lvl6pPr marL="2514600" indent="-228600" eaLnBrk="0" fontAlgn="base" hangingPunct="0">
-              <a:spcBef>
-                <a:spcPct val="0"/>
-              </a:spcBef>
-              <a:spcAft>
-                <a:spcPct val="0"/>
-              </a:spcAft>
-              <a:defRPr sz="2400">
-                <a:solidFill>
-                  <a:schemeClr val="tx1"/>
-                </a:solidFill>
-                <a:latin typeface="Arial" charset="0"/>
-                <a:ea typeface="ＭＳ Ｐゴシック" charset="0"/>
-              </a:defRPr>
-            </a:lvl6pPr>
-            <a:lvl7pPr marL="2971800" indent="-228600" eaLnBrk="0" fontAlgn="base" hangingPunct="0">
-              <a:spcBef>
-                <a:spcPct val="0"/>
-              </a:spcBef>
-              <a:spcAft>
-                <a:spcPct val="0"/>
-              </a:spcAft>
-              <a:defRPr sz="2400">
-                <a:solidFill>
-                  <a:schemeClr val="tx1"/>
-                </a:solidFill>
-                <a:latin typeface="Arial" charset="0"/>
-                <a:ea typeface="ＭＳ Ｐゴシック" charset="0"/>
-              </a:defRPr>
-            </a:lvl7pPr>
-            <a:lvl8pPr marL="3429000" indent="-228600" eaLnBrk="0" fontAlgn="base" hangingPunct="0">
-              <a:spcBef>
-                <a:spcPct val="0"/>
-              </a:spcBef>
-              <a:spcAft>
-                <a:spcPct val="0"/>
-              </a:spcAft>
-              <a:defRPr sz="2400">
-                <a:solidFill>
-                  <a:schemeClr val="tx1"/>
-                </a:solidFill>
-                <a:latin typeface="Arial" charset="0"/>
-                <a:ea typeface="ＭＳ Ｐゴシック" charset="0"/>
-              </a:defRPr>
-            </a:lvl8pPr>
-            <a:lvl9pPr marL="3886200" indent="-228600" eaLnBrk="0" fontAlgn="base" hangingPunct="0">
-              <a:spcBef>
-                <a:spcPct val="0"/>
-              </a:spcBef>
-              <a:spcAft>
-                <a:spcPct val="0"/>
-              </a:spcAft>
-              <a:defRPr sz="2400">
-                <a:solidFill>
-                  <a:schemeClr val="tx1"/>
-                </a:solidFill>
-                <a:latin typeface="Arial" charset="0"/>
-                <a:ea typeface="ＭＳ Ｐゴシック" charset="0"/>
-              </a:defRPr>
-            </a:lvl9pPr>
-          </a:lstStyle>
-          <a:p>
-            <a:pPr eaLnBrk="1" hangingPunct="1"/>
-            <a:fld id="{D4957555-38F8-9D4C-AD8C-34D997F9ADE1}" type="slidenum">
-              <a:rPr lang="en-US" sz="1300">
-                <a:latin typeface="Calibri" charset="0"/>
-              </a:rPr>
-              <a:pPr eaLnBrk="1" hangingPunct="1"/>
-              <a:t>10</a:t>
-            </a:fld>
-            <a:endParaRPr lang="en-US" sz="1300">
-              <a:latin typeface="Calibri" charset="0"/>
-            </a:endParaRPr>
-          </a:p>
-        </p:txBody>
-      </p:sp>
-    </p:spTree>
-  </p:cSld>
-  <p:clrMapOvr>
-    <a:masterClrMapping/>
-  </p:clrMapOvr>
-</p:notes>
-</file>
-
-<file path=ppt/notesSlides/notesSlide9.xml><?xml version="1.0" encoding="utf-8"?>
-<p:notes xmlns:a="http://schemas.openxmlformats.org/drawingml/2006/main" xmlns:r="http://schemas.openxmlformats.org/officeDocument/2006/relationships" xmlns:p="http://schemas.openxmlformats.org/presentationml/2006/main">
-  <p:cSld>
-    <p:spTree>
-      <p:nvGrpSpPr>
-        <p:cNvPr id="1" name=""/>
-        <p:cNvGrpSpPr/>
-        <p:nvPr/>
-      </p:nvGrpSpPr>
-      <p:grpSpPr>
-        <a:xfrm>
-          <a:off x="0" y="0"/>
-          <a:ext cx="0" cy="0"/>
-          <a:chOff x="0" y="0"/>
-          <a:chExt cx="0" cy="0"/>
-        </a:xfrm>
-      </p:grpSpPr>
-      <p:sp>
-        <p:nvSpPr>
           <p:cNvPr id="2" name="Slide Image Placeholder 1"/>
           <p:cNvSpPr>
             <a:spLocks noGrp="1" noRot="1" noChangeAspect="1"/>
@@ -3003,7 +870,7 @@
               <a:pPr>
                 <a:defRPr/>
               </a:pPr>
-              <a:t>11</a:t>
+              <a:t>3</a:t>
             </a:fld>
             <a:endParaRPr lang="en-US"/>
           </a:p>
@@ -5330,7 +3197,7 @@
               <a:pPr>
                 <a:defRPr/>
               </a:pPr>
-              <a:t>11/13/18</a:t>
+              <a:t>11/14/18</a:t>
             </a:fld>
             <a:endParaRPr lang="en-US"/>
           </a:p>
@@ -6067,375 +3934,6 @@
 </p:sld>
 </file>
 
-<file path=ppt/slides/slide10.xml><?xml version="1.0" encoding="utf-8"?>
-<p:sld xmlns:a="http://schemas.openxmlformats.org/drawingml/2006/main" xmlns:r="http://schemas.openxmlformats.org/officeDocument/2006/relationships" xmlns:p="http://schemas.openxmlformats.org/presentationml/2006/main">
-  <p:cSld>
-    <p:spTree>
-      <p:nvGrpSpPr>
-        <p:cNvPr id="1" name=""/>
-        <p:cNvGrpSpPr/>
-        <p:nvPr/>
-      </p:nvGrpSpPr>
-      <p:grpSpPr>
-        <a:xfrm>
-          <a:off x="0" y="0"/>
-          <a:ext cx="0" cy="0"/>
-          <a:chOff x="0" y="0"/>
-          <a:chExt cx="0" cy="0"/>
-        </a:xfrm>
-      </p:grpSpPr>
-      <p:sp>
-        <p:nvSpPr>
-          <p:cNvPr id="29697" name="Title 1"/>
-          <p:cNvSpPr>
-            <a:spLocks noGrp="1"/>
-          </p:cNvSpPr>
-          <p:nvPr>
-            <p:ph type="title"/>
-          </p:nvPr>
-        </p:nvSpPr>
-        <p:spPr>
-          <a:xfrm>
-            <a:off x="152400" y="-26988"/>
-            <a:ext cx="8839200" cy="1143001"/>
-          </a:xfrm>
-        </p:spPr>
-        <p:txBody>
-          <a:bodyPr/>
-          <a:lstStyle/>
-          <a:p>
-            <a:r>
-              <a:rPr lang="en-US" dirty="0">
-                <a:latin typeface="Calibri" charset="0"/>
-                <a:ea typeface="ＭＳ Ｐゴシック" charset="0"/>
-              </a:rPr>
-              <a:t>Comparison of merged GTFs from each </a:t>
-            </a:r>
-            <a:r>
-              <a:rPr lang="en-US" dirty="0" err="1" smtClean="0">
-                <a:latin typeface="Calibri" charset="0"/>
-                <a:ea typeface="ＭＳ Ｐゴシック" charset="0"/>
-              </a:rPr>
-              <a:t>StringTie</a:t>
-            </a:r>
-            <a:r>
-              <a:rPr lang="en-US" dirty="0" smtClean="0">
-                <a:latin typeface="Calibri" charset="0"/>
-                <a:ea typeface="ＭＳ Ｐゴシック" charset="0"/>
-              </a:rPr>
-              <a:t> mode</a:t>
-            </a:r>
-            <a:endParaRPr lang="en-US" dirty="0">
-              <a:latin typeface="Calibri" charset="0"/>
-              <a:ea typeface="ＭＳ Ｐゴシック" charset="0"/>
-            </a:endParaRPr>
-          </a:p>
-        </p:txBody>
-      </p:sp>
-      <p:pic>
-        <p:nvPicPr>
-          <p:cNvPr id="29698" name="Content Placeholder 3" descr="merge gtfs mode comparison 2.png"/>
-          <p:cNvPicPr>
-            <a:picLocks noGrp="1" noChangeAspect="1"/>
-          </p:cNvPicPr>
-          <p:nvPr>
-            <p:ph idx="1"/>
-          </p:nvPr>
-        </p:nvPicPr>
-        <p:blipFill>
-          <a:blip r:embed="rId3">
-            <a:extLst>
-              <a:ext uri="{28A0092B-C50C-407E-A947-70E740481C1C}">
-                <a14:useLocalDpi xmlns:a14="http://schemas.microsoft.com/office/drawing/2010/main" val="0"/>
-              </a:ext>
-            </a:extLst>
-          </a:blip>
-          <a:srcRect l="-3632" r="-3632"/>
-          <a:stretch>
-            <a:fillRect/>
-          </a:stretch>
-        </p:blipFill>
-        <p:spPr/>
-      </p:pic>
-      <p:sp>
-        <p:nvSpPr>
-          <p:cNvPr id="5" name="TextBox 4"/>
-          <p:cNvSpPr txBox="1"/>
-          <p:nvPr/>
-        </p:nvSpPr>
-        <p:spPr>
-          <a:xfrm>
-            <a:off x="166688" y="3429000"/>
-            <a:ext cx="1236662" cy="276225"/>
-          </a:xfrm>
-          <a:prstGeom prst="rect">
-            <a:avLst/>
-          </a:prstGeom>
-        </p:spPr>
-        <p:style>
-          <a:lnRef idx="2">
-            <a:schemeClr val="dk1"/>
-          </a:lnRef>
-          <a:fillRef idx="1">
-            <a:schemeClr val="lt1"/>
-          </a:fillRef>
-          <a:effectRef idx="0">
-            <a:schemeClr val="dk1"/>
-          </a:effectRef>
-          <a:fontRef idx="minor">
-            <a:schemeClr val="dk1"/>
-          </a:fontRef>
-        </p:style>
-        <p:txBody>
-          <a:bodyPr wrap="none">
-            <a:spAutoFit/>
-          </a:bodyPr>
-          <a:lstStyle/>
-          <a:p>
-            <a:pPr>
-              <a:defRPr/>
-            </a:pPr>
-            <a:r>
-              <a:rPr lang="en-US" sz="1200" b="1" dirty="0" err="1"/>
-              <a:t>ref_only</a:t>
-            </a:r>
-            <a:r>
-              <a:rPr lang="en-US" sz="1200" b="1" dirty="0"/>
-              <a:t> mode</a:t>
-            </a:r>
-          </a:p>
-        </p:txBody>
-      </p:sp>
-      <p:sp>
-        <p:nvSpPr>
-          <p:cNvPr id="7" name="TextBox 6"/>
-          <p:cNvSpPr txBox="1"/>
-          <p:nvPr/>
-        </p:nvSpPr>
-        <p:spPr>
-          <a:xfrm>
-            <a:off x="133350" y="4581525"/>
-            <a:ext cx="1270000" cy="276225"/>
-          </a:xfrm>
-          <a:prstGeom prst="rect">
-            <a:avLst/>
-          </a:prstGeom>
-        </p:spPr>
-        <p:style>
-          <a:lnRef idx="2">
-            <a:schemeClr val="dk1"/>
-          </a:lnRef>
-          <a:fillRef idx="1">
-            <a:schemeClr val="lt1"/>
-          </a:fillRef>
-          <a:effectRef idx="0">
-            <a:schemeClr val="dk1"/>
-          </a:effectRef>
-          <a:fontRef idx="minor">
-            <a:schemeClr val="dk1"/>
-          </a:fontRef>
-        </p:style>
-        <p:txBody>
-          <a:bodyPr wrap="none">
-            <a:spAutoFit/>
-          </a:bodyPr>
-          <a:lstStyle/>
-          <a:p>
-            <a:pPr>
-              <a:defRPr/>
-            </a:pPr>
-            <a:r>
-              <a:rPr lang="en-US" sz="1200" b="1" dirty="0" err="1"/>
-              <a:t>de_novo</a:t>
-            </a:r>
-            <a:r>
-              <a:rPr lang="en-US" sz="1200" b="1" dirty="0"/>
-              <a:t> mode</a:t>
-            </a:r>
-          </a:p>
-        </p:txBody>
-      </p:sp>
-      <p:sp>
-        <p:nvSpPr>
-          <p:cNvPr id="8" name="TextBox 7"/>
-          <p:cNvSpPr txBox="1"/>
-          <p:nvPr/>
-        </p:nvSpPr>
-        <p:spPr>
-          <a:xfrm>
-            <a:off x="90488" y="5373688"/>
-            <a:ext cx="1312862" cy="276225"/>
-          </a:xfrm>
-          <a:prstGeom prst="rect">
-            <a:avLst/>
-          </a:prstGeom>
-        </p:spPr>
-        <p:style>
-          <a:lnRef idx="2">
-            <a:schemeClr val="dk1"/>
-          </a:lnRef>
-          <a:fillRef idx="1">
-            <a:schemeClr val="lt1"/>
-          </a:fillRef>
-          <a:effectRef idx="0">
-            <a:schemeClr val="dk1"/>
-          </a:effectRef>
-          <a:fontRef idx="minor">
-            <a:schemeClr val="dk1"/>
-          </a:fontRef>
-        </p:style>
-        <p:txBody>
-          <a:bodyPr wrap="none">
-            <a:spAutoFit/>
-          </a:bodyPr>
-          <a:lstStyle/>
-          <a:p>
-            <a:pPr>
-              <a:defRPr/>
-            </a:pPr>
-            <a:r>
-              <a:rPr lang="en-US" sz="1200" b="1" dirty="0"/>
-              <a:t>Ensembl genes</a:t>
-            </a:r>
-          </a:p>
-        </p:txBody>
-      </p:sp>
-      <p:sp>
-        <p:nvSpPr>
-          <p:cNvPr id="9" name="TextBox 8"/>
-          <p:cNvSpPr txBox="1"/>
-          <p:nvPr/>
-        </p:nvSpPr>
-        <p:spPr>
-          <a:xfrm>
-            <a:off x="295275" y="2781300"/>
-            <a:ext cx="1108075" cy="276225"/>
-          </a:xfrm>
-          <a:prstGeom prst="rect">
-            <a:avLst/>
-          </a:prstGeom>
-        </p:spPr>
-        <p:style>
-          <a:lnRef idx="2">
-            <a:schemeClr val="dk1"/>
-          </a:lnRef>
-          <a:fillRef idx="1">
-            <a:schemeClr val="lt1"/>
-          </a:fillRef>
-          <a:effectRef idx="0">
-            <a:schemeClr val="dk1"/>
-          </a:effectRef>
-          <a:fontRef idx="minor">
-            <a:schemeClr val="dk1"/>
-          </a:fontRef>
-        </p:style>
-        <p:txBody>
-          <a:bodyPr wrap="none">
-            <a:spAutoFit/>
-          </a:bodyPr>
-          <a:lstStyle/>
-          <a:p>
-            <a:pPr>
-              <a:defRPr/>
-            </a:pPr>
-            <a:r>
-              <a:rPr lang="en-US" sz="1200" b="1" dirty="0"/>
-              <a:t>UCSC genes</a:t>
-            </a:r>
-          </a:p>
-        </p:txBody>
-      </p:sp>
-    </p:spTree>
-    <p:extLst>
-      <p:ext uri="{BB962C8B-B14F-4D97-AF65-F5344CB8AC3E}">
-        <p14:creationId xmlns:p14="http://schemas.microsoft.com/office/powerpoint/2010/main" val="940924375"/>
-      </p:ext>
-    </p:extLst>
-  </p:cSld>
-  <p:clrMapOvr>
-    <a:masterClrMapping/>
-  </p:clrMapOvr>
-  <p:timing>
-    <p:tnLst>
-      <p:par>
-        <p:cTn xmlns:p14="http://schemas.microsoft.com/office/powerpoint/2010/main" id="1" dur="indefinite" restart="never" nodeType="tmRoot"/>
-      </p:par>
-    </p:tnLst>
-  </p:timing>
-</p:sld>
-</file>
-
-<file path=ppt/slides/slide11.xml><?xml version="1.0" encoding="utf-8"?>
-<p:sld xmlns:a="http://schemas.openxmlformats.org/drawingml/2006/main" xmlns:r="http://schemas.openxmlformats.org/officeDocument/2006/relationships" xmlns:p="http://schemas.openxmlformats.org/presentationml/2006/main">
-  <p:cSld>
-    <p:spTree>
-      <p:nvGrpSpPr>
-        <p:cNvPr id="1" name=""/>
-        <p:cNvGrpSpPr/>
-        <p:nvPr/>
-      </p:nvGrpSpPr>
-      <p:grpSpPr>
-        <a:xfrm>
-          <a:off x="0" y="0"/>
-          <a:ext cx="0" cy="0"/>
-          <a:chOff x="0" y="0"/>
-          <a:chExt cx="0" cy="0"/>
-        </a:xfrm>
-      </p:grpSpPr>
-      <p:sp>
-        <p:nvSpPr>
-          <p:cNvPr id="15361" name="Content Placeholder 3"/>
-          <p:cNvSpPr>
-            <a:spLocks noGrp="1"/>
-          </p:cNvSpPr>
-          <p:nvPr>
-            <p:ph idx="1"/>
-          </p:nvPr>
-        </p:nvSpPr>
-        <p:spPr>
-          <a:xfrm>
-            <a:off x="152400" y="2667000"/>
-            <a:ext cx="8839200" cy="1600200"/>
-          </a:xfrm>
-        </p:spPr>
-        <p:txBody>
-          <a:bodyPr/>
-          <a:lstStyle/>
-          <a:p>
-            <a:pPr algn="ctr">
-              <a:buFont typeface="Arial" charset="0"/>
-              <a:buNone/>
-            </a:pPr>
-            <a:r>
-              <a:rPr lang="en-US" sz="4400">
-                <a:latin typeface="Calibri" charset="0"/>
-                <a:ea typeface="ＭＳ Ｐゴシック" charset="0"/>
-              </a:rPr>
-              <a:t>We are on a Coffee Break &amp; Networking Session</a:t>
-            </a:r>
-          </a:p>
-        </p:txBody>
-      </p:sp>
-    </p:spTree>
-    <p:extLst>
-      <p:ext uri="{BB962C8B-B14F-4D97-AF65-F5344CB8AC3E}">
-        <p14:creationId xmlns:p14="http://schemas.microsoft.com/office/powerpoint/2010/main" val="3218371699"/>
-      </p:ext>
-    </p:extLst>
-  </p:cSld>
-  <p:clrMapOvr>
-    <a:masterClrMapping/>
-  </p:clrMapOvr>
-  <p:timing>
-    <p:tnLst>
-      <p:par>
-        <p:cTn xmlns:p14="http://schemas.microsoft.com/office/powerpoint/2010/main" id="1" dur="indefinite" restart="never" nodeType="tmRoot"/>
-      </p:par>
-    </p:tnLst>
-  </p:timing>
-</p:sld>
-</file>
-
 <file path=ppt/slides/slide2.xml><?xml version="1.0" encoding="utf-8"?>
 <p:sld xmlns:a="http://schemas.openxmlformats.org/drawingml/2006/main" xmlns:r="http://schemas.openxmlformats.org/officeDocument/2006/relationships" xmlns:p="http://schemas.openxmlformats.org/presentationml/2006/main">
   <p:cSld>
@@ -6795,7 +4293,17 @@
                 <a:latin typeface="Calibri" charset="0"/>
                 <a:cs typeface="Segoe UI" charset="0"/>
               </a:rPr>
-              <a:t>Isoform Discovery and Alternative Expression (tutorial)</a:t>
+              <a:t>Alignment Free Expression Estimation (</a:t>
+            </a:r>
+            <a:r>
+              <a:rPr lang="en-US" sz="2000" dirty="0">
+                <a:solidFill>
+                  <a:schemeClr val="bg1"/>
+                </a:solidFill>
+                <a:latin typeface="Calibri" charset="0"/>
+                <a:cs typeface="Segoe UI" charset="0"/>
+              </a:rPr>
+              <a:t>tutorial)</a:t>
             </a:r>
           </a:p>
         </p:txBody>
@@ -6978,39 +4486,7 @@
       </p:grpSpPr>
       <p:sp>
         <p:nvSpPr>
-          <p:cNvPr id="15361" name="Rectangle 2"/>
-          <p:cNvSpPr>
-            <a:spLocks noGrp="1" noChangeArrowheads="1"/>
-          </p:cNvSpPr>
-          <p:nvPr>
-            <p:ph type="title"/>
-          </p:nvPr>
-        </p:nvSpPr>
-        <p:spPr>
-          <a:xfrm>
-            <a:off x="152400" y="44450"/>
-            <a:ext cx="8839200" cy="1143000"/>
-          </a:xfrm>
-        </p:spPr>
-        <p:txBody>
-          <a:bodyPr/>
-          <a:lstStyle/>
-          <a:p>
-            <a:pPr eaLnBrk="1" hangingPunct="1"/>
-            <a:r>
-              <a:rPr lang="en-US" altLang="ko-KR">
-                <a:latin typeface="Calibri" charset="0"/>
-                <a:ea typeface="ＭＳ Ｐゴシック" charset="0"/>
-                <a:cs typeface="ＭＳ Ｐゴシック" charset="0"/>
-              </a:rPr>
-              <a:t>Learning Objectives of Tutorial</a:t>
-            </a:r>
-          </a:p>
-        </p:txBody>
-      </p:sp>
-      <p:sp>
-        <p:nvSpPr>
-          <p:cNvPr id="12290" name="Content Placeholder 6"/>
+          <p:cNvPr id="15361" name="Content Placeholder 3"/>
           <p:cNvSpPr>
             <a:spLocks noGrp="1"/>
           </p:cNvSpPr>
@@ -7020,1801 +4496,32 @@
         </p:nvSpPr>
         <p:spPr>
           <a:xfrm>
-            <a:off x="179388" y="1258888"/>
-            <a:ext cx="8839200" cy="4906962"/>
+            <a:off x="152400" y="2667000"/>
+            <a:ext cx="8839200" cy="1600200"/>
           </a:xfrm>
         </p:spPr>
         <p:txBody>
-          <a:bodyPr>
-            <a:normAutofit lnSpcReduction="10000"/>
-          </a:bodyPr>
+          <a:bodyPr/>
           <a:lstStyle/>
           <a:p>
-            <a:pPr>
-              <a:defRPr/>
+            <a:pPr algn="ctr">
+              <a:buFont typeface="Arial" charset="0"/>
+              <a:buNone/>
             </a:pPr>
             <a:r>
-              <a:rPr lang="en-US" dirty="0" smtClean="0">
+              <a:rPr lang="en-US" sz="4400">
                 <a:latin typeface="Calibri" charset="0"/>
                 <a:ea typeface="ＭＳ Ｐゴシック" charset="0"/>
               </a:rPr>
-              <a:t>Learn how to run </a:t>
-            </a:r>
-            <a:r>
-              <a:rPr lang="en-US" dirty="0" err="1" smtClean="0">
-                <a:latin typeface="Calibri" charset="0"/>
-                <a:ea typeface="ＭＳ Ｐゴシック" charset="0"/>
-              </a:rPr>
-              <a:t>StringTie</a:t>
-            </a:r>
-            <a:r>
-              <a:rPr lang="en-US" dirty="0" smtClean="0">
-                <a:latin typeface="Calibri" charset="0"/>
-                <a:ea typeface="ＭＳ Ｐゴシック" charset="0"/>
-              </a:rPr>
-              <a:t> in ‘reference only’, ‘reference guided’, and ‘de novo’ modes</a:t>
-            </a:r>
-          </a:p>
-          <a:p>
-            <a:pPr>
-              <a:defRPr/>
-            </a:pPr>
-            <a:r>
-              <a:rPr lang="en-US" dirty="0" smtClean="0">
-                <a:latin typeface="Calibri" charset="0"/>
-                <a:ea typeface="ＭＳ Ｐゴシック" charset="0"/>
-              </a:rPr>
-              <a:t>Learn how to use </a:t>
-            </a:r>
-            <a:r>
-              <a:rPr lang="en-US" dirty="0" err="1" smtClean="0">
-                <a:latin typeface="Calibri" charset="0"/>
-                <a:ea typeface="ＭＳ Ｐゴシック" charset="0"/>
-              </a:rPr>
-              <a:t>Cuffmerge</a:t>
-            </a:r>
-            <a:r>
-              <a:rPr lang="en-US" dirty="0" smtClean="0">
-                <a:latin typeface="Calibri" charset="0"/>
-                <a:ea typeface="ＭＳ Ｐゴシック" charset="0"/>
-              </a:rPr>
-              <a:t> to combine transcriptomes from multiple </a:t>
-            </a:r>
-            <a:r>
-              <a:rPr lang="en-US" dirty="0" err="1" smtClean="0">
-                <a:latin typeface="Calibri" charset="0"/>
-                <a:ea typeface="ＭＳ Ｐゴシック" charset="0"/>
-              </a:rPr>
-              <a:t>StringTie</a:t>
-            </a:r>
-            <a:r>
-              <a:rPr lang="en-US" dirty="0" smtClean="0">
-                <a:latin typeface="Calibri" charset="0"/>
-                <a:ea typeface="ＭＳ Ｐゴシック" charset="0"/>
-              </a:rPr>
-              <a:t> runs and compare assembled transcripts to known transcripts</a:t>
-            </a:r>
-          </a:p>
-          <a:p>
-            <a:pPr>
-              <a:defRPr/>
-            </a:pPr>
-            <a:r>
-              <a:rPr lang="en-US" dirty="0" smtClean="0">
-                <a:latin typeface="Calibri" charset="0"/>
-                <a:ea typeface="ＭＳ Ｐゴシック" charset="0"/>
-              </a:rPr>
-              <a:t>Learn how to perform differential splicing analysis with </a:t>
-            </a:r>
-            <a:r>
-              <a:rPr lang="en-US" dirty="0" err="1" smtClean="0">
-                <a:latin typeface="Calibri" charset="0"/>
-                <a:ea typeface="ＭＳ Ｐゴシック" charset="0"/>
-              </a:rPr>
-              <a:t>Ballgown</a:t>
-            </a:r>
-            <a:endParaRPr lang="en-US" dirty="0" smtClean="0">
-              <a:latin typeface="Calibri" charset="0"/>
-              <a:ea typeface="ＭＳ Ｐゴシック" charset="0"/>
-            </a:endParaRPr>
-          </a:p>
-          <a:p>
-            <a:pPr>
-              <a:defRPr/>
-            </a:pPr>
-            <a:r>
-              <a:rPr lang="en-US" dirty="0" smtClean="0">
-                <a:latin typeface="Calibri" charset="0"/>
-                <a:ea typeface="ＭＳ Ｐゴシック" charset="0"/>
-              </a:rPr>
-              <a:t>Examine junctions counts with </a:t>
-            </a:r>
-            <a:r>
-              <a:rPr lang="en-US" dirty="0" err="1" smtClean="0">
-                <a:latin typeface="Calibri" charset="0"/>
-                <a:ea typeface="ＭＳ Ｐゴシック" charset="0"/>
-              </a:rPr>
-              <a:t>RegTools</a:t>
-            </a:r>
-            <a:r>
-              <a:rPr lang="en-US" dirty="0" smtClean="0">
-                <a:latin typeface="Calibri" charset="0"/>
-                <a:ea typeface="ＭＳ Ｐゴシック" charset="0"/>
-              </a:rPr>
-              <a:t> and </a:t>
-            </a:r>
-            <a:r>
-              <a:rPr lang="en-US" dirty="0" err="1" smtClean="0">
-                <a:latin typeface="Calibri" charset="0"/>
-                <a:ea typeface="ＭＳ Ｐゴシック" charset="0"/>
-              </a:rPr>
-              <a:t>StringTie</a:t>
-            </a:r>
-            <a:r>
-              <a:rPr lang="en-US" dirty="0" smtClean="0">
-                <a:latin typeface="Calibri" charset="0"/>
-                <a:ea typeface="ＭＳ Ｐゴシック" charset="0"/>
-              </a:rPr>
-              <a:t> alternative transcript files at the command line</a:t>
-            </a:r>
-          </a:p>
-          <a:p>
-            <a:pPr>
-              <a:defRPr/>
-            </a:pPr>
-            <a:r>
-              <a:rPr lang="en-US" dirty="0" smtClean="0">
-                <a:latin typeface="Calibri" charset="0"/>
-                <a:ea typeface="ＭＳ Ｐゴシック" charset="0"/>
-              </a:rPr>
-              <a:t>Visualize junction counts and </a:t>
-            </a:r>
-            <a:r>
-              <a:rPr lang="en-US" dirty="0" err="1" smtClean="0">
-                <a:latin typeface="Calibri" charset="0"/>
-                <a:ea typeface="ＭＳ Ｐゴシック" charset="0"/>
-              </a:rPr>
-              <a:t>StringTie</a:t>
-            </a:r>
-            <a:r>
-              <a:rPr lang="en-US" dirty="0" smtClean="0">
-                <a:latin typeface="Calibri" charset="0"/>
-                <a:ea typeface="ＭＳ Ｐゴシック" charset="0"/>
-              </a:rPr>
-              <a:t> assembled transcripts in IGV</a:t>
-            </a:r>
-            <a:endParaRPr lang="en-US" dirty="0">
-              <a:latin typeface="Calibri" charset="0"/>
-              <a:ea typeface="ＭＳ Ｐゴシック" charset="0"/>
-            </a:endParaRPr>
+              <a:t>We are on a Coffee Break &amp; Networking Session</a:t>
+            </a:r>
           </a:p>
         </p:txBody>
       </p:sp>
     </p:spTree>
     <p:extLst>
       <p:ext uri="{BB962C8B-B14F-4D97-AF65-F5344CB8AC3E}">
-        <p14:creationId xmlns:p14="http://schemas.microsoft.com/office/powerpoint/2010/main" val="1361892109"/>
-      </p:ext>
-    </p:extLst>
-  </p:cSld>
-  <p:clrMapOvr>
-    <a:masterClrMapping/>
-  </p:clrMapOvr>
-  <p:timing>
-    <p:tnLst>
-      <p:par>
-        <p:cTn xmlns:p14="http://schemas.microsoft.com/office/powerpoint/2010/main" id="1" dur="indefinite" restart="never" nodeType="tmRoot"/>
-      </p:par>
-    </p:tnLst>
-  </p:timing>
-</p:sld>
-</file>
-
-<file path=ppt/slides/slide4.xml><?xml version="1.0" encoding="utf-8"?>
-<p:sld xmlns:a="http://schemas.openxmlformats.org/drawingml/2006/main" xmlns:r="http://schemas.openxmlformats.org/officeDocument/2006/relationships" xmlns:p="http://schemas.openxmlformats.org/presentationml/2006/main">
-  <p:cSld>
-    <p:spTree>
-      <p:nvGrpSpPr>
-        <p:cNvPr id="1" name=""/>
-        <p:cNvGrpSpPr/>
-        <p:nvPr/>
-      </p:nvGrpSpPr>
-      <p:grpSpPr>
-        <a:xfrm>
-          <a:off x="0" y="0"/>
-          <a:ext cx="0" cy="0"/>
-          <a:chOff x="0" y="0"/>
-          <a:chExt cx="0" cy="0"/>
-        </a:xfrm>
-      </p:grpSpPr>
-      <p:sp>
-        <p:nvSpPr>
-          <p:cNvPr id="17409" name="Title 1"/>
-          <p:cNvSpPr>
-            <a:spLocks noGrp="1"/>
-          </p:cNvSpPr>
-          <p:nvPr>
-            <p:ph type="title"/>
-          </p:nvPr>
-        </p:nvSpPr>
-        <p:spPr>
-          <a:xfrm>
-            <a:off x="152400" y="44450"/>
-            <a:ext cx="8839200" cy="1143000"/>
-          </a:xfrm>
-        </p:spPr>
-        <p:txBody>
-          <a:bodyPr/>
-          <a:lstStyle/>
-          <a:p>
-            <a:r>
-              <a:rPr lang="en-US" dirty="0" smtClean="0">
-                <a:latin typeface="Calibri" charset="0"/>
-                <a:ea typeface="ＭＳ Ｐゴシック" charset="0"/>
-              </a:rPr>
-              <a:t>5-i,ii. Running </a:t>
-            </a:r>
-            <a:r>
-              <a:rPr lang="en-US" dirty="0" err="1" smtClean="0">
-                <a:latin typeface="Calibri" charset="0"/>
-                <a:ea typeface="ＭＳ Ｐゴシック" charset="0"/>
-              </a:rPr>
-              <a:t>stringtie</a:t>
-            </a:r>
-            <a:r>
-              <a:rPr lang="en-US" dirty="0" smtClean="0">
-                <a:latin typeface="Calibri" charset="0"/>
-                <a:ea typeface="ＭＳ Ｐゴシック" charset="0"/>
-              </a:rPr>
-              <a:t> in </a:t>
-            </a:r>
-            <a:r>
-              <a:rPr lang="en-US" dirty="0">
-                <a:latin typeface="Calibri" charset="0"/>
-                <a:ea typeface="ＭＳ Ｐゴシック" charset="0"/>
-              </a:rPr>
-              <a:t>‘ref-guided’ and ‘de-novo’ mode</a:t>
-            </a:r>
-          </a:p>
-        </p:txBody>
-      </p:sp>
-      <p:sp>
-        <p:nvSpPr>
-          <p:cNvPr id="3" name="Content Placeholder 2"/>
-          <p:cNvSpPr>
-            <a:spLocks noGrp="1"/>
-          </p:cNvSpPr>
-          <p:nvPr>
-            <p:ph idx="1"/>
-          </p:nvPr>
-        </p:nvSpPr>
-        <p:spPr/>
-        <p:txBody>
-          <a:bodyPr>
-            <a:normAutofit lnSpcReduction="10000"/>
-          </a:bodyPr>
-          <a:lstStyle/>
-          <a:p>
-            <a:pPr>
-              <a:defRPr/>
-            </a:pPr>
-            <a:r>
-              <a:rPr lang="en-US" dirty="0" smtClean="0"/>
-              <a:t>In Module 3 we ran </a:t>
-            </a:r>
-            <a:r>
-              <a:rPr lang="en-US" dirty="0" err="1" smtClean="0"/>
-              <a:t>StringTie</a:t>
-            </a:r>
-            <a:r>
-              <a:rPr lang="en-US" dirty="0" smtClean="0"/>
-              <a:t> in ‘ref-only’ mode.  This mode gives us an expression estimate for each known gene/transcript</a:t>
-            </a:r>
-          </a:p>
-          <a:p>
-            <a:pPr>
-              <a:defRPr/>
-            </a:pPr>
-            <a:r>
-              <a:rPr lang="en-US" dirty="0" smtClean="0"/>
-              <a:t>Now we want to be able to potentially identify novel genes, and novel isoforms of known genes</a:t>
-            </a:r>
-          </a:p>
-          <a:p>
-            <a:pPr>
-              <a:defRPr/>
-            </a:pPr>
-            <a:r>
-              <a:rPr lang="en-US" dirty="0" smtClean="0"/>
-              <a:t>To accomplish this we will re-run cufflinks in ‘ref-guided’ and ‘de-novo’ modes</a:t>
-            </a:r>
-          </a:p>
-          <a:p>
-            <a:pPr lvl="1">
-              <a:defRPr/>
-            </a:pPr>
-            <a:r>
-              <a:rPr lang="en-US" dirty="0" smtClean="0"/>
-              <a:t>In ‘ref-guided’ mode a known transcriptome will be used as a guide</a:t>
-            </a:r>
-          </a:p>
-          <a:p>
-            <a:pPr lvl="1">
-              <a:defRPr/>
-            </a:pPr>
-            <a:r>
-              <a:rPr lang="en-US" dirty="0" smtClean="0"/>
-              <a:t>In ‘de-novo’ mode no knowledge of the transcriptome will be used at all</a:t>
-            </a:r>
-            <a:endParaRPr lang="en-US" dirty="0"/>
-          </a:p>
-        </p:txBody>
-      </p:sp>
-    </p:spTree>
-    <p:extLst>
-      <p:ext uri="{BB962C8B-B14F-4D97-AF65-F5344CB8AC3E}">
-        <p14:creationId xmlns:p14="http://schemas.microsoft.com/office/powerpoint/2010/main" val="321780354"/>
-      </p:ext>
-    </p:extLst>
-  </p:cSld>
-  <p:clrMapOvr>
-    <a:masterClrMapping/>
-  </p:clrMapOvr>
-  <p:timing>
-    <p:tnLst>
-      <p:par>
-        <p:cTn xmlns:p14="http://schemas.microsoft.com/office/powerpoint/2010/main" id="1" dur="indefinite" restart="never" nodeType="tmRoot"/>
-      </p:par>
-    </p:tnLst>
-  </p:timing>
-</p:sld>
-</file>
-
-<file path=ppt/slides/slide5.xml><?xml version="1.0" encoding="utf-8"?>
-<p:sld xmlns:a="http://schemas.openxmlformats.org/drawingml/2006/main" xmlns:r="http://schemas.openxmlformats.org/officeDocument/2006/relationships" xmlns:p="http://schemas.openxmlformats.org/presentationml/2006/main">
-  <p:cSld>
-    <p:spTree>
-      <p:nvGrpSpPr>
-        <p:cNvPr id="1" name=""/>
-        <p:cNvGrpSpPr/>
-        <p:nvPr/>
-      </p:nvGrpSpPr>
-      <p:grpSpPr>
-        <a:xfrm>
-          <a:off x="0" y="0"/>
-          <a:ext cx="0" cy="0"/>
-          <a:chOff x="0" y="0"/>
-          <a:chExt cx="0" cy="0"/>
-        </a:xfrm>
-      </p:grpSpPr>
-      <p:sp>
-        <p:nvSpPr>
-          <p:cNvPr id="19457" name="Title 1"/>
-          <p:cNvSpPr>
-            <a:spLocks noGrp="1"/>
-          </p:cNvSpPr>
-          <p:nvPr>
-            <p:ph type="title"/>
-          </p:nvPr>
-        </p:nvSpPr>
-        <p:spPr>
-          <a:xfrm>
-            <a:off x="152400" y="-26988"/>
-            <a:ext cx="8839200" cy="1143001"/>
-          </a:xfrm>
-        </p:spPr>
-        <p:txBody>
-          <a:bodyPr/>
-          <a:lstStyle/>
-          <a:p>
-            <a:r>
-              <a:rPr lang="en-US" dirty="0" smtClean="0">
-                <a:latin typeface="Calibri" charset="0"/>
-                <a:ea typeface="ＭＳ Ｐゴシック" charset="0"/>
-              </a:rPr>
-              <a:t>Options that govern use of existing transcript information</a:t>
-            </a:r>
-            <a:endParaRPr lang="en-US" dirty="0">
-              <a:latin typeface="Calibri" charset="0"/>
-              <a:ea typeface="ＭＳ Ｐゴシック" charset="0"/>
-            </a:endParaRPr>
-          </a:p>
-        </p:txBody>
-      </p:sp>
-      <p:sp>
-        <p:nvSpPr>
-          <p:cNvPr id="3" name="Content Placeholder 2"/>
-          <p:cNvSpPr>
-            <a:spLocks noGrp="1"/>
-          </p:cNvSpPr>
-          <p:nvPr>
-            <p:ph idx="1"/>
-          </p:nvPr>
-        </p:nvSpPr>
-        <p:spPr>
-          <a:xfrm>
-            <a:off x="152400" y="1341438"/>
-            <a:ext cx="8839200" cy="4983162"/>
-          </a:xfrm>
-        </p:spPr>
-        <p:txBody>
-          <a:bodyPr>
-            <a:normAutofit fontScale="70000" lnSpcReduction="20000"/>
-          </a:bodyPr>
-          <a:lstStyle/>
-          <a:p>
-            <a:pPr>
-              <a:defRPr/>
-            </a:pPr>
-            <a:r>
-              <a:rPr lang="en-US" dirty="0" smtClean="0"/>
-              <a:t>During indexing of the genome with hisat2, transcript information is provided</a:t>
-            </a:r>
-          </a:p>
-          <a:p>
-            <a:pPr lvl="1">
-              <a:defRPr/>
-            </a:pPr>
-            <a:r>
-              <a:rPr lang="en-US" dirty="0"/>
-              <a:t>A</a:t>
-            </a:r>
-            <a:r>
-              <a:rPr lang="en-US" dirty="0" smtClean="0"/>
-              <a:t> transcriptome GTF file is used to extract splice sites and exons</a:t>
-            </a:r>
-          </a:p>
-          <a:p>
-            <a:pPr lvl="1">
-              <a:defRPr/>
-            </a:pPr>
-            <a:r>
-              <a:rPr lang="en-US" dirty="0" smtClean="0"/>
-              <a:t>These are supplied during the index step to build a better index</a:t>
-            </a:r>
-          </a:p>
-          <a:p>
-            <a:pPr lvl="1">
-              <a:defRPr/>
-            </a:pPr>
-            <a:r>
-              <a:rPr lang="en-US" dirty="0" smtClean="0"/>
-              <a:t>These will be used to </a:t>
-            </a:r>
-            <a:r>
-              <a:rPr lang="en-US" b="1" dirty="0" smtClean="0"/>
-              <a:t>assist the alignment</a:t>
-            </a:r>
-            <a:r>
-              <a:rPr lang="en-US" dirty="0" smtClean="0"/>
-              <a:t> step by allowing alignment to both transcriptome and genome sequences</a:t>
-            </a:r>
-          </a:p>
-          <a:p>
-            <a:pPr lvl="1">
-              <a:defRPr/>
-            </a:pPr>
-            <a:r>
-              <a:rPr lang="en-US" dirty="0" smtClean="0"/>
-              <a:t>Coordinates from alignments to transcriptomes will be converted back to genome coordinates</a:t>
-            </a:r>
-          </a:p>
-          <a:p>
-            <a:pPr lvl="1">
-              <a:defRPr/>
-            </a:pPr>
-            <a:r>
-              <a:rPr lang="en-US" dirty="0" smtClean="0"/>
-              <a:t>Even though we supply transcriptome info, hisat2 will not be limited in to known transcripts or splice sites</a:t>
-            </a:r>
-          </a:p>
-          <a:p>
-            <a:pPr>
-              <a:defRPr/>
-            </a:pPr>
-            <a:r>
-              <a:rPr lang="en-US" dirty="0" err="1" smtClean="0"/>
-              <a:t>Stringtie</a:t>
-            </a:r>
-            <a:r>
-              <a:rPr lang="en-US" dirty="0" smtClean="0"/>
-              <a:t> ‘-G’ option</a:t>
-            </a:r>
-          </a:p>
-          <a:p>
-            <a:pPr lvl="1">
-              <a:defRPr/>
-            </a:pPr>
-            <a:r>
-              <a:rPr lang="en-US" dirty="0" smtClean="0"/>
-              <a:t>Used to supply a transcriptome GTF file</a:t>
-            </a:r>
-          </a:p>
-          <a:p>
-            <a:pPr lvl="1">
-              <a:defRPr/>
-            </a:pPr>
-            <a:r>
-              <a:rPr lang="en-US" dirty="0" smtClean="0"/>
-              <a:t>If specified, uses </a:t>
-            </a:r>
-            <a:r>
-              <a:rPr lang="en-US" dirty="0"/>
-              <a:t>the reference annotation file (in GTF or GFF3 format) to guide the assembly process. We </a:t>
-            </a:r>
-            <a:r>
-              <a:rPr lang="en-US" dirty="0" smtClean="0"/>
-              <a:t>call this the ‘</a:t>
-            </a:r>
-            <a:r>
-              <a:rPr lang="en-US" b="1" dirty="0" smtClean="0"/>
-              <a:t>ref-guided</a:t>
-            </a:r>
-            <a:r>
-              <a:rPr lang="en-US" dirty="0" smtClean="0"/>
-              <a:t>’ analysis mode</a:t>
-            </a:r>
-          </a:p>
-          <a:p>
-            <a:pPr>
-              <a:defRPr/>
-            </a:pPr>
-            <a:r>
-              <a:rPr lang="en-US" dirty="0" err="1" smtClean="0"/>
-              <a:t>Stringtie</a:t>
-            </a:r>
-            <a:r>
-              <a:rPr lang="en-US" dirty="0" smtClean="0"/>
-              <a:t> ‘-e’ option</a:t>
-            </a:r>
-          </a:p>
-          <a:p>
-            <a:pPr lvl="1">
-              <a:defRPr/>
-            </a:pPr>
-            <a:r>
-              <a:rPr lang="en-US" dirty="0"/>
-              <a:t>Limits the processing of read alignments to </a:t>
-            </a:r>
-            <a:r>
-              <a:rPr lang="en-US" u="sng" dirty="0"/>
-              <a:t>only</a:t>
-            </a:r>
-            <a:r>
-              <a:rPr lang="en-US" dirty="0"/>
-              <a:t> estimate and output the assembled transcripts matching the reference transcripts given with the -G option</a:t>
-            </a:r>
-          </a:p>
-          <a:p>
-            <a:pPr lvl="1">
-              <a:defRPr/>
-            </a:pPr>
-            <a:r>
-              <a:rPr lang="en-US" dirty="0" smtClean="0"/>
-              <a:t>We call this ‘</a:t>
-            </a:r>
-            <a:r>
-              <a:rPr lang="en-US" b="1" dirty="0" smtClean="0"/>
-              <a:t>reference-only</a:t>
-            </a:r>
-            <a:r>
-              <a:rPr lang="en-US" dirty="0" smtClean="0"/>
-              <a:t>’ analysis mode</a:t>
-            </a:r>
-          </a:p>
-          <a:p>
-            <a:pPr>
-              <a:defRPr/>
-            </a:pPr>
-            <a:r>
-              <a:rPr lang="en-US" dirty="0" smtClean="0"/>
-              <a:t>Running </a:t>
-            </a:r>
-            <a:r>
-              <a:rPr lang="en-US" dirty="0" err="1" smtClean="0"/>
-              <a:t>StringTie</a:t>
-            </a:r>
-            <a:r>
-              <a:rPr lang="en-US" dirty="0" smtClean="0"/>
-              <a:t> with neither ‘-G’ or ‘-e’</a:t>
-            </a:r>
-          </a:p>
-          <a:p>
-            <a:pPr lvl="1">
-              <a:defRPr/>
-            </a:pPr>
-            <a:r>
-              <a:rPr lang="en-US" dirty="0" smtClean="0"/>
-              <a:t>We call this ‘</a:t>
-            </a:r>
-            <a:r>
-              <a:rPr lang="en-US" b="1" dirty="0" smtClean="0"/>
-              <a:t>de-novo</a:t>
-            </a:r>
-            <a:r>
-              <a:rPr lang="en-US" dirty="0" smtClean="0"/>
-              <a:t>’ analysis mode</a:t>
-            </a:r>
-          </a:p>
-        </p:txBody>
-      </p:sp>
-      <p:sp>
-        <p:nvSpPr>
-          <p:cNvPr id="2" name="TextBox 1"/>
-          <p:cNvSpPr txBox="1"/>
-          <p:nvPr/>
-        </p:nvSpPr>
-        <p:spPr>
-          <a:xfrm>
-            <a:off x="-803996" y="2621448"/>
-            <a:ext cx="184666" cy="461665"/>
-          </a:xfrm>
-          <a:prstGeom prst="rect">
-            <a:avLst/>
-          </a:prstGeom>
-          <a:noFill/>
-        </p:spPr>
-        <p:txBody>
-          <a:bodyPr wrap="none" rtlCol="0">
-            <a:spAutoFit/>
-          </a:bodyPr>
-          <a:lstStyle/>
-          <a:p>
-            <a:endParaRPr lang="en-US"/>
-          </a:p>
-        </p:txBody>
-      </p:sp>
-    </p:spTree>
-    <p:extLst>
-      <p:ext uri="{BB962C8B-B14F-4D97-AF65-F5344CB8AC3E}">
-        <p14:creationId xmlns:p14="http://schemas.microsoft.com/office/powerpoint/2010/main" val="1988026649"/>
-      </p:ext>
-    </p:extLst>
-  </p:cSld>
-  <p:clrMapOvr>
-    <a:masterClrMapping/>
-  </p:clrMapOvr>
-  <p:timing>
-    <p:tnLst>
-      <p:par>
-        <p:cTn xmlns:p14="http://schemas.microsoft.com/office/powerpoint/2010/main" id="1" dur="indefinite" restart="never" nodeType="tmRoot"/>
-      </p:par>
-    </p:tnLst>
-  </p:timing>
-</p:sld>
-</file>
-
-<file path=ppt/slides/slide6.xml><?xml version="1.0" encoding="utf-8"?>
-<p:sld xmlns:a="http://schemas.openxmlformats.org/drawingml/2006/main" xmlns:r="http://schemas.openxmlformats.org/officeDocument/2006/relationships" xmlns:p="http://schemas.openxmlformats.org/presentationml/2006/main">
-  <p:cSld>
-    <p:spTree>
-      <p:nvGrpSpPr>
-        <p:cNvPr id="1" name=""/>
-        <p:cNvGrpSpPr/>
-        <p:nvPr/>
-      </p:nvGrpSpPr>
-      <p:grpSpPr>
-        <a:xfrm>
-          <a:off x="0" y="0"/>
-          <a:ext cx="0" cy="0"/>
-          <a:chOff x="0" y="0"/>
-          <a:chExt cx="0" cy="0"/>
-        </a:xfrm>
-      </p:grpSpPr>
-      <p:sp>
-        <p:nvSpPr>
-          <p:cNvPr id="21505" name="Title 1"/>
-          <p:cNvSpPr>
-            <a:spLocks noGrp="1"/>
-          </p:cNvSpPr>
-          <p:nvPr>
-            <p:ph type="title"/>
-          </p:nvPr>
-        </p:nvSpPr>
-        <p:spPr>
-          <a:xfrm>
-            <a:off x="152400" y="44450"/>
-            <a:ext cx="8839200" cy="1143000"/>
-          </a:xfrm>
-        </p:spPr>
-        <p:txBody>
-          <a:bodyPr/>
-          <a:lstStyle/>
-          <a:p>
-            <a:r>
-              <a:rPr lang="en-US" dirty="0" smtClean="0">
-                <a:latin typeface="Calibri" charset="0"/>
-                <a:ea typeface="ＭＳ Ｐゴシック" charset="0"/>
-              </a:rPr>
-              <a:t>A </a:t>
-            </a:r>
-            <a:r>
-              <a:rPr lang="en-US" dirty="0">
-                <a:latin typeface="Calibri" charset="0"/>
-                <a:ea typeface="ＭＳ Ｐゴシック" charset="0"/>
-              </a:rPr>
-              <a:t>‘</a:t>
-            </a:r>
-            <a:r>
-              <a:rPr lang="en-US" altLang="ja-JP" dirty="0" err="1">
-                <a:latin typeface="Calibri" charset="0"/>
-                <a:ea typeface="ＭＳ Ｐゴシック" charset="0"/>
-              </a:rPr>
-              <a:t>junctions.bed</a:t>
-            </a:r>
-            <a:r>
-              <a:rPr lang="en-US" dirty="0">
-                <a:latin typeface="Calibri" charset="0"/>
-                <a:ea typeface="ＭＳ Ｐゴシック" charset="0"/>
-              </a:rPr>
-              <a:t>’</a:t>
-            </a:r>
-            <a:r>
-              <a:rPr lang="en-US" altLang="ja-JP" dirty="0">
-                <a:latin typeface="Calibri" charset="0"/>
-                <a:ea typeface="ＭＳ Ｐゴシック" charset="0"/>
-              </a:rPr>
-              <a:t> file</a:t>
-            </a:r>
-            <a:endParaRPr lang="en-US" dirty="0">
-              <a:latin typeface="Calibri" charset="0"/>
-              <a:ea typeface="ＭＳ Ｐゴシック" charset="0"/>
-            </a:endParaRPr>
-          </a:p>
-        </p:txBody>
-      </p:sp>
-      <p:sp>
-        <p:nvSpPr>
-          <p:cNvPr id="21506" name="Content Placeholder 2"/>
-          <p:cNvSpPr>
-            <a:spLocks noGrp="1"/>
-          </p:cNvSpPr>
-          <p:nvPr>
-            <p:ph idx="1"/>
-          </p:nvPr>
-        </p:nvSpPr>
-        <p:spPr>
-          <a:xfrm>
-            <a:off x="152400" y="1268413"/>
-            <a:ext cx="8839200" cy="3341687"/>
-          </a:xfrm>
-        </p:spPr>
-        <p:txBody>
-          <a:bodyPr/>
-          <a:lstStyle/>
-          <a:p>
-            <a:r>
-              <a:rPr lang="en-US" dirty="0">
-                <a:latin typeface="Calibri" charset="0"/>
-                <a:ea typeface="ＭＳ Ｐゴシック" charset="0"/>
-              </a:rPr>
-              <a:t>After alignment, </a:t>
-            </a:r>
-            <a:r>
-              <a:rPr lang="en-US" dirty="0" smtClean="0">
-                <a:latin typeface="Calibri" charset="0"/>
-                <a:ea typeface="ＭＳ Ｐゴシック" charset="0"/>
-              </a:rPr>
-              <a:t>we can create </a:t>
-            </a:r>
-            <a:r>
-              <a:rPr lang="en-US" dirty="0">
-                <a:latin typeface="Calibri" charset="0"/>
-                <a:ea typeface="ＭＳ Ｐゴシック" charset="0"/>
-              </a:rPr>
-              <a:t>a summary of all reads that support exon-exon junctions</a:t>
-            </a:r>
-          </a:p>
-          <a:p>
-            <a:pPr lvl="1"/>
-            <a:r>
-              <a:rPr lang="en-US" dirty="0">
-                <a:latin typeface="Calibri" charset="0"/>
-                <a:ea typeface="ＭＳ Ｐゴシック" charset="0"/>
-              </a:rPr>
-              <a:t>e.g. exon1-exon2  has 5 reads</a:t>
-            </a:r>
-          </a:p>
-          <a:p>
-            <a:pPr lvl="1"/>
-            <a:r>
-              <a:rPr lang="en-US" dirty="0">
-                <a:latin typeface="Calibri" charset="0"/>
-                <a:ea typeface="ＭＳ Ｐゴシック" charset="0"/>
-              </a:rPr>
-              <a:t>e.g. exon1-exon3 has 9 reads</a:t>
-            </a:r>
-          </a:p>
-          <a:p>
-            <a:r>
-              <a:rPr lang="en-US" dirty="0">
-                <a:latin typeface="Calibri" charset="0"/>
-                <a:ea typeface="ＭＳ Ｐゴシック" charset="0"/>
-              </a:rPr>
-              <a:t>This file reports all of the unique exon-exon junctions observed and the read counts for each</a:t>
-            </a:r>
-          </a:p>
-          <a:p>
-            <a:pPr lvl="1"/>
-            <a:r>
-              <a:rPr lang="en-US" dirty="0">
-                <a:latin typeface="Calibri" charset="0"/>
-                <a:ea typeface="ＭＳ Ｐゴシック" charset="0"/>
-              </a:rPr>
-              <a:t>In BED format</a:t>
-            </a:r>
-          </a:p>
-        </p:txBody>
-      </p:sp>
-      <p:pic>
-        <p:nvPicPr>
-          <p:cNvPr id="21507" name="Picture 3" descr="junctions.bed.png"/>
-          <p:cNvPicPr>
-            <a:picLocks noChangeAspect="1"/>
-          </p:cNvPicPr>
-          <p:nvPr/>
-        </p:nvPicPr>
-        <p:blipFill>
-          <a:blip r:embed="rId3">
-            <a:extLst>
-              <a:ext uri="{28A0092B-C50C-407E-A947-70E740481C1C}">
-                <a14:useLocalDpi xmlns:a14="http://schemas.microsoft.com/office/drawing/2010/main" val="0"/>
-              </a:ext>
-            </a:extLst>
-          </a:blip>
-          <a:srcRect/>
-          <a:stretch>
-            <a:fillRect/>
-          </a:stretch>
-        </p:blipFill>
-        <p:spPr bwMode="auto">
-          <a:xfrm>
-            <a:off x="250825" y="4652963"/>
-            <a:ext cx="8569325" cy="1274762"/>
-          </a:xfrm>
-          <a:prstGeom prst="rect">
-            <a:avLst/>
-          </a:prstGeom>
-          <a:noFill/>
-          <a:ln>
-            <a:noFill/>
-          </a:ln>
-          <a:extLst>
-            <a:ext uri="{909E8E84-426E-40dd-AFC4-6F175D3DCCD1}">
-              <a14:hiddenFill xmlns:a14="http://schemas.microsoft.com/office/drawing/2010/main">
-                <a:solidFill>
-                  <a:srgbClr val="FFFFFF"/>
-                </a:solidFill>
-              </a14:hiddenFill>
-            </a:ext>
-            <a:ext uri="{91240B29-F687-4f45-9708-019B960494DF}">
-              <a14:hiddenLine xmlns:a14="http://schemas.microsoft.com/office/drawing/2010/main" w="9525">
-                <a:solidFill>
-                  <a:srgbClr val="000000"/>
-                </a:solidFill>
-                <a:miter lim="800000"/>
-                <a:headEnd/>
-                <a:tailEnd/>
-              </a14:hiddenLine>
-            </a:ext>
-          </a:extLst>
-        </p:spPr>
-      </p:pic>
-      <p:cxnSp>
-        <p:nvCxnSpPr>
-          <p:cNvPr id="6" name="Straight Arrow Connector 5"/>
-          <p:cNvCxnSpPr/>
-          <p:nvPr/>
-        </p:nvCxnSpPr>
-        <p:spPr>
-          <a:xfrm flipH="1" flipV="1">
-            <a:off x="3851275" y="5949950"/>
-            <a:ext cx="360363" cy="215900"/>
-          </a:xfrm>
-          <a:prstGeom prst="straightConnector1">
-            <a:avLst/>
-          </a:prstGeom>
-          <a:ln>
-            <a:tailEnd type="arrow"/>
-          </a:ln>
-        </p:spPr>
-        <p:style>
-          <a:lnRef idx="3">
-            <a:schemeClr val="dk1"/>
-          </a:lnRef>
-          <a:fillRef idx="0">
-            <a:schemeClr val="dk1"/>
-          </a:fillRef>
-          <a:effectRef idx="2">
-            <a:schemeClr val="dk1"/>
-          </a:effectRef>
-          <a:fontRef idx="minor">
-            <a:schemeClr val="tx1"/>
-          </a:fontRef>
-        </p:style>
-      </p:cxnSp>
-      <p:sp>
-        <p:nvSpPr>
-          <p:cNvPr id="21509" name="TextBox 8"/>
-          <p:cNvSpPr txBox="1">
-            <a:spLocks noChangeArrowheads="1"/>
-          </p:cNvSpPr>
-          <p:nvPr/>
-        </p:nvSpPr>
-        <p:spPr bwMode="auto">
-          <a:xfrm>
-            <a:off x="4211638" y="5991225"/>
-            <a:ext cx="2878137" cy="461963"/>
-          </a:xfrm>
-          <a:prstGeom prst="rect">
-            <a:avLst/>
-          </a:prstGeom>
-          <a:noFill/>
-          <a:ln>
-            <a:noFill/>
-          </a:ln>
-          <a:extLst>
-            <a:ext uri="{909E8E84-426E-40dd-AFC4-6F175D3DCCD1}">
-              <a14:hiddenFill xmlns:a14="http://schemas.microsoft.com/office/drawing/2010/main">
-                <a:solidFill>
-                  <a:srgbClr val="FFFFFF"/>
-                </a:solidFill>
-              </a14:hiddenFill>
-            </a:ext>
-            <a:ext uri="{91240B29-F687-4f45-9708-019B960494DF}">
-              <a14:hiddenLine xmlns:a14="http://schemas.microsoft.com/office/drawing/2010/main" w="9525">
-                <a:solidFill>
-                  <a:srgbClr val="000000"/>
-                </a:solidFill>
-                <a:miter lim="800000"/>
-                <a:headEnd/>
-                <a:tailEnd/>
-              </a14:hiddenLine>
-            </a:ext>
-          </a:extLst>
-        </p:spPr>
-        <p:txBody>
-          <a:bodyPr wrap="none">
-            <a:spAutoFit/>
-          </a:bodyPr>
-          <a:lstStyle>
-            <a:lvl1pPr eaLnBrk="0" hangingPunct="0">
-              <a:defRPr sz="2400">
-                <a:solidFill>
-                  <a:schemeClr val="tx1"/>
-                </a:solidFill>
-                <a:latin typeface="Arial" charset="0"/>
-                <a:ea typeface="ＭＳ Ｐゴシック" charset="0"/>
-                <a:cs typeface="ＭＳ Ｐゴシック" charset="0"/>
-              </a:defRPr>
-            </a:lvl1pPr>
-            <a:lvl2pPr marL="742950" indent="-285750" eaLnBrk="0" hangingPunct="0">
-              <a:defRPr sz="2400">
-                <a:solidFill>
-                  <a:schemeClr val="tx1"/>
-                </a:solidFill>
-                <a:latin typeface="Arial" charset="0"/>
-                <a:ea typeface="ＭＳ Ｐゴシック" charset="0"/>
-              </a:defRPr>
-            </a:lvl2pPr>
-            <a:lvl3pPr marL="1143000" indent="-228600" eaLnBrk="0" hangingPunct="0">
-              <a:defRPr sz="2400">
-                <a:solidFill>
-                  <a:schemeClr val="tx1"/>
-                </a:solidFill>
-                <a:latin typeface="Arial" charset="0"/>
-                <a:ea typeface="ＭＳ Ｐゴシック" charset="0"/>
-              </a:defRPr>
-            </a:lvl3pPr>
-            <a:lvl4pPr marL="1600200" indent="-228600" eaLnBrk="0" hangingPunct="0">
-              <a:defRPr sz="2400">
-                <a:solidFill>
-                  <a:schemeClr val="tx1"/>
-                </a:solidFill>
-                <a:latin typeface="Arial" charset="0"/>
-                <a:ea typeface="ＭＳ Ｐゴシック" charset="0"/>
-              </a:defRPr>
-            </a:lvl4pPr>
-            <a:lvl5pPr marL="2057400" indent="-228600" eaLnBrk="0" hangingPunct="0">
-              <a:defRPr sz="2400">
-                <a:solidFill>
-                  <a:schemeClr val="tx1"/>
-                </a:solidFill>
-                <a:latin typeface="Arial" charset="0"/>
-                <a:ea typeface="ＭＳ Ｐゴシック" charset="0"/>
-              </a:defRPr>
-            </a:lvl5pPr>
-            <a:lvl6pPr marL="2514600" indent="-228600" eaLnBrk="0" fontAlgn="base" hangingPunct="0">
-              <a:spcBef>
-                <a:spcPct val="0"/>
-              </a:spcBef>
-              <a:spcAft>
-                <a:spcPct val="0"/>
-              </a:spcAft>
-              <a:defRPr sz="2400">
-                <a:solidFill>
-                  <a:schemeClr val="tx1"/>
-                </a:solidFill>
-                <a:latin typeface="Arial" charset="0"/>
-                <a:ea typeface="ＭＳ Ｐゴシック" charset="0"/>
-              </a:defRPr>
-            </a:lvl6pPr>
-            <a:lvl7pPr marL="2971800" indent="-228600" eaLnBrk="0" fontAlgn="base" hangingPunct="0">
-              <a:spcBef>
-                <a:spcPct val="0"/>
-              </a:spcBef>
-              <a:spcAft>
-                <a:spcPct val="0"/>
-              </a:spcAft>
-              <a:defRPr sz="2400">
-                <a:solidFill>
-                  <a:schemeClr val="tx1"/>
-                </a:solidFill>
-                <a:latin typeface="Arial" charset="0"/>
-                <a:ea typeface="ＭＳ Ｐゴシック" charset="0"/>
-              </a:defRPr>
-            </a:lvl7pPr>
-            <a:lvl8pPr marL="3429000" indent="-228600" eaLnBrk="0" fontAlgn="base" hangingPunct="0">
-              <a:spcBef>
-                <a:spcPct val="0"/>
-              </a:spcBef>
-              <a:spcAft>
-                <a:spcPct val="0"/>
-              </a:spcAft>
-              <a:defRPr sz="2400">
-                <a:solidFill>
-                  <a:schemeClr val="tx1"/>
-                </a:solidFill>
-                <a:latin typeface="Arial" charset="0"/>
-                <a:ea typeface="ＭＳ Ｐゴシック" charset="0"/>
-              </a:defRPr>
-            </a:lvl8pPr>
-            <a:lvl9pPr marL="3886200" indent="-228600" eaLnBrk="0" fontAlgn="base" hangingPunct="0">
-              <a:spcBef>
-                <a:spcPct val="0"/>
-              </a:spcBef>
-              <a:spcAft>
-                <a:spcPct val="0"/>
-              </a:spcAft>
-              <a:defRPr sz="2400">
-                <a:solidFill>
-                  <a:schemeClr val="tx1"/>
-                </a:solidFill>
-                <a:latin typeface="Arial" charset="0"/>
-                <a:ea typeface="ＭＳ Ｐゴシック" charset="0"/>
-              </a:defRPr>
-            </a:lvl9pPr>
-          </a:lstStyle>
-          <a:p>
-            <a:pPr eaLnBrk="1" hangingPunct="1"/>
-            <a:r>
-              <a:rPr lang="en-US"/>
-              <a:t>Junction read count</a:t>
-            </a:r>
-          </a:p>
-        </p:txBody>
-      </p:sp>
-    </p:spTree>
-    <p:extLst>
-      <p:ext uri="{BB962C8B-B14F-4D97-AF65-F5344CB8AC3E}">
-        <p14:creationId xmlns:p14="http://schemas.microsoft.com/office/powerpoint/2010/main" val="2151454637"/>
-      </p:ext>
-    </p:extLst>
-  </p:cSld>
-  <p:clrMapOvr>
-    <a:masterClrMapping/>
-  </p:clrMapOvr>
-  <p:timing>
-    <p:tnLst>
-      <p:par>
-        <p:cTn xmlns:p14="http://schemas.microsoft.com/office/powerpoint/2010/main" id="1" dur="indefinite" restart="never" nodeType="tmRoot"/>
-      </p:par>
-    </p:tnLst>
-  </p:timing>
-</p:sld>
-</file>
-
-<file path=ppt/slides/slide7.xml><?xml version="1.0" encoding="utf-8"?>
-<p:sld xmlns:a="http://schemas.openxmlformats.org/drawingml/2006/main" xmlns:r="http://schemas.openxmlformats.org/officeDocument/2006/relationships" xmlns:p="http://schemas.openxmlformats.org/presentationml/2006/main">
-  <p:cSld>
-    <p:spTree>
-      <p:nvGrpSpPr>
-        <p:cNvPr id="1" name=""/>
-        <p:cNvGrpSpPr/>
-        <p:nvPr/>
-      </p:nvGrpSpPr>
-      <p:grpSpPr>
-        <a:xfrm>
-          <a:off x="0" y="0"/>
-          <a:ext cx="0" cy="0"/>
-          <a:chOff x="0" y="0"/>
-          <a:chExt cx="0" cy="0"/>
-        </a:xfrm>
-      </p:grpSpPr>
-      <p:sp>
-        <p:nvSpPr>
-          <p:cNvPr id="23553" name="Title 1"/>
-          <p:cNvSpPr>
-            <a:spLocks noGrp="1"/>
-          </p:cNvSpPr>
-          <p:nvPr>
-            <p:ph type="title"/>
-          </p:nvPr>
-        </p:nvSpPr>
-        <p:spPr>
-          <a:xfrm>
-            <a:off x="152400" y="-26988"/>
-            <a:ext cx="8839200" cy="1143001"/>
-          </a:xfrm>
-        </p:spPr>
-        <p:txBody>
-          <a:bodyPr/>
-          <a:lstStyle/>
-          <a:p>
-            <a:r>
-              <a:rPr lang="en-US">
-                <a:latin typeface="Calibri" charset="0"/>
-                <a:ea typeface="ＭＳ Ｐゴシック" charset="0"/>
-              </a:rPr>
-              <a:t>Viewing the junctions.bed in IGV</a:t>
-            </a:r>
-          </a:p>
-        </p:txBody>
-      </p:sp>
-      <p:pic>
-        <p:nvPicPr>
-          <p:cNvPr id="23554" name="Content Placeholder 3" descr="junctions bed IGV screenshot.png"/>
-          <p:cNvPicPr>
-            <a:picLocks noGrp="1" noChangeAspect="1"/>
-          </p:cNvPicPr>
-          <p:nvPr>
-            <p:ph idx="1"/>
-          </p:nvPr>
-        </p:nvPicPr>
-        <p:blipFill>
-          <a:blip r:embed="rId3">
-            <a:extLst>
-              <a:ext uri="{28A0092B-C50C-407E-A947-70E740481C1C}">
-                <a14:useLocalDpi xmlns:a14="http://schemas.microsoft.com/office/drawing/2010/main" val="0"/>
-              </a:ext>
-            </a:extLst>
-          </a:blip>
-          <a:srcRect t="-7526" b="-7526"/>
-          <a:stretch>
-            <a:fillRect/>
-          </a:stretch>
-        </p:blipFill>
-        <p:spPr/>
-      </p:pic>
-    </p:spTree>
-    <p:extLst>
-      <p:ext uri="{BB962C8B-B14F-4D97-AF65-F5344CB8AC3E}">
-        <p14:creationId xmlns:p14="http://schemas.microsoft.com/office/powerpoint/2010/main" val="1455188137"/>
-      </p:ext>
-    </p:extLst>
-  </p:cSld>
-  <p:clrMapOvr>
-    <a:masterClrMapping/>
-  </p:clrMapOvr>
-  <p:timing>
-    <p:tnLst>
-      <p:par>
-        <p:cTn xmlns:p14="http://schemas.microsoft.com/office/powerpoint/2010/main" id="1" dur="indefinite" restart="never" nodeType="tmRoot"/>
-      </p:par>
-    </p:tnLst>
-  </p:timing>
-</p:sld>
-</file>
-
-<file path=ppt/slides/slide8.xml><?xml version="1.0" encoding="utf-8"?>
-<p:sld xmlns:a="http://schemas.openxmlformats.org/drawingml/2006/main" xmlns:r="http://schemas.openxmlformats.org/officeDocument/2006/relationships" xmlns:p="http://schemas.openxmlformats.org/presentationml/2006/main">
-  <p:cSld>
-    <p:spTree>
-      <p:nvGrpSpPr>
-        <p:cNvPr id="1" name=""/>
-        <p:cNvGrpSpPr/>
-        <p:nvPr/>
-      </p:nvGrpSpPr>
-      <p:grpSpPr>
-        <a:xfrm>
-          <a:off x="0" y="0"/>
-          <a:ext cx="0" cy="0"/>
-          <a:chOff x="0" y="0"/>
-          <a:chExt cx="0" cy="0"/>
-        </a:xfrm>
-      </p:grpSpPr>
-      <p:sp>
-        <p:nvSpPr>
-          <p:cNvPr id="25601" name="Title 1"/>
-          <p:cNvSpPr>
-            <a:spLocks noGrp="1"/>
-          </p:cNvSpPr>
-          <p:nvPr>
-            <p:ph type="title"/>
-          </p:nvPr>
-        </p:nvSpPr>
-        <p:spPr>
-          <a:xfrm>
-            <a:off x="152400" y="-26988"/>
-            <a:ext cx="8839200" cy="1143001"/>
-          </a:xfrm>
-        </p:spPr>
-        <p:txBody>
-          <a:bodyPr/>
-          <a:lstStyle/>
-          <a:p>
-            <a:r>
-              <a:rPr lang="en-US" dirty="0" smtClean="0">
-                <a:latin typeface="Calibri" charset="0"/>
-                <a:ea typeface="ＭＳ Ｐゴシック" charset="0"/>
-              </a:rPr>
-              <a:t>5-iii,iv. </a:t>
-            </a:r>
-            <a:r>
-              <a:rPr lang="en-US" dirty="0" err="1" smtClean="0">
-                <a:latin typeface="Calibri" charset="0"/>
-                <a:ea typeface="ＭＳ Ｐゴシック" charset="0"/>
-              </a:rPr>
-              <a:t>StringTie</a:t>
-            </a:r>
-            <a:r>
-              <a:rPr lang="en-US" dirty="0" smtClean="0">
-                <a:latin typeface="Calibri" charset="0"/>
-                <a:ea typeface="ＭＳ Ｐゴシック" charset="0"/>
-              </a:rPr>
-              <a:t> merge</a:t>
-            </a:r>
-            <a:endParaRPr lang="en-US" dirty="0">
-              <a:latin typeface="Calibri" charset="0"/>
-              <a:ea typeface="ＭＳ Ｐゴシック" charset="0"/>
-            </a:endParaRPr>
-          </a:p>
-        </p:txBody>
-      </p:sp>
-      <p:sp>
-        <p:nvSpPr>
-          <p:cNvPr id="25602" name="Content Placeholder 2"/>
-          <p:cNvSpPr>
-            <a:spLocks noGrp="1"/>
-          </p:cNvSpPr>
-          <p:nvPr>
-            <p:ph idx="1"/>
-          </p:nvPr>
-        </p:nvSpPr>
-        <p:spPr>
-          <a:xfrm>
-            <a:off x="152400" y="1052736"/>
-            <a:ext cx="8839200" cy="4724400"/>
-          </a:xfrm>
-        </p:spPr>
-        <p:txBody>
-          <a:bodyPr/>
-          <a:lstStyle/>
-          <a:p>
-            <a:r>
-              <a:rPr lang="en-US" dirty="0">
-                <a:latin typeface="Calibri" charset="0"/>
-                <a:ea typeface="ＭＳ Ｐゴシック" charset="0"/>
-                <a:hlinkClick r:id="rId3"/>
-              </a:rPr>
-              <a:t>https://ccb.jhu.edu/software/stringtie/</a:t>
-            </a:r>
-            <a:r>
-              <a:rPr lang="en-US" dirty="0" smtClean="0">
-                <a:latin typeface="Calibri" charset="0"/>
-                <a:ea typeface="ＭＳ Ｐゴシック" charset="0"/>
-                <a:hlinkClick r:id="rId3"/>
-              </a:rPr>
-              <a:t>index.shtml</a:t>
-            </a:r>
-            <a:r>
-              <a:rPr lang="en-US" dirty="0" smtClean="0">
-                <a:latin typeface="Calibri" charset="0"/>
-                <a:ea typeface="ＭＳ Ｐゴシック" charset="0"/>
-              </a:rPr>
-              <a:t> </a:t>
-            </a:r>
-            <a:endParaRPr lang="en-US" dirty="0">
-              <a:latin typeface="Calibri" charset="0"/>
-              <a:ea typeface="ＭＳ Ｐゴシック" charset="0"/>
-            </a:endParaRPr>
-          </a:p>
-          <a:p>
-            <a:r>
-              <a:rPr lang="en-US" dirty="0" err="1" smtClean="0">
-                <a:latin typeface="Calibri" charset="0"/>
-                <a:ea typeface="ＭＳ Ｐゴシック" charset="0"/>
-              </a:rPr>
-              <a:t>StringTie</a:t>
-            </a:r>
-            <a:r>
-              <a:rPr lang="en-US" dirty="0" smtClean="0">
-                <a:latin typeface="Calibri" charset="0"/>
-                <a:ea typeface="ＭＳ Ｐゴシック" charset="0"/>
-              </a:rPr>
-              <a:t> merge combines </a:t>
-            </a:r>
-            <a:r>
-              <a:rPr lang="en-US" dirty="0">
-                <a:latin typeface="Calibri" charset="0"/>
-                <a:ea typeface="ＭＳ Ｐゴシック" charset="0"/>
-              </a:rPr>
-              <a:t>transcripts predicted from multiple RNA-seq data sets into one view of the transcriptome</a:t>
-            </a:r>
-          </a:p>
-          <a:p>
-            <a:pPr lvl="1"/>
-            <a:r>
-              <a:rPr lang="en-US" dirty="0">
-                <a:latin typeface="Calibri" charset="0"/>
-                <a:ea typeface="ＭＳ Ｐゴシック" charset="0"/>
-              </a:rPr>
-              <a:t>Do this before running </a:t>
-            </a:r>
-            <a:r>
-              <a:rPr lang="en-US" dirty="0" err="1" smtClean="0">
-                <a:latin typeface="Calibri" charset="0"/>
-                <a:ea typeface="ＭＳ Ｐゴシック" charset="0"/>
-              </a:rPr>
-              <a:t>StringTie</a:t>
-            </a:r>
-            <a:r>
-              <a:rPr lang="en-US" dirty="0" smtClean="0">
-                <a:latin typeface="Calibri" charset="0"/>
-                <a:ea typeface="ＭＳ Ｐゴシック" charset="0"/>
-              </a:rPr>
-              <a:t> to </a:t>
-            </a:r>
-            <a:r>
-              <a:rPr lang="en-US" dirty="0">
-                <a:latin typeface="Calibri" charset="0"/>
-                <a:ea typeface="ＭＳ Ｐゴシック" charset="0"/>
-              </a:rPr>
-              <a:t>compare between multiple conditions</a:t>
-            </a:r>
-          </a:p>
-          <a:p>
-            <a:r>
-              <a:rPr lang="en-US" dirty="0" err="1" smtClean="0">
-                <a:latin typeface="Calibri" charset="0"/>
-                <a:ea typeface="ＭＳ Ｐゴシック" charset="0"/>
-              </a:rPr>
-              <a:t>StringTie</a:t>
-            </a:r>
-            <a:r>
-              <a:rPr lang="en-US" dirty="0" smtClean="0">
-                <a:latin typeface="Calibri" charset="0"/>
-                <a:ea typeface="ＭＳ Ｐゴシック" charset="0"/>
-              </a:rPr>
-              <a:t> merge can </a:t>
-            </a:r>
-            <a:r>
-              <a:rPr lang="en-US" dirty="0">
-                <a:latin typeface="Calibri" charset="0"/>
-                <a:ea typeface="ＭＳ Ｐゴシック" charset="0"/>
-              </a:rPr>
-              <a:t>also simultaneously compare transcripts to the known transcripts GTF file from Ensembl, etc.</a:t>
-            </a:r>
-          </a:p>
-          <a:p>
-            <a:pPr lvl="1"/>
-            <a:r>
-              <a:rPr lang="en-US" dirty="0">
-                <a:latin typeface="Calibri" charset="0"/>
-                <a:ea typeface="ＭＳ Ｐゴシック" charset="0"/>
-                <a:hlinkClick r:id="rId4"/>
-              </a:rPr>
-              <a:t>http://cufflinks.cbcb.umd.edu/manual.html#class_codes</a:t>
-            </a:r>
-            <a:endParaRPr lang="en-US" dirty="0">
-              <a:latin typeface="Calibri" charset="0"/>
-              <a:ea typeface="ＭＳ Ｐゴシック" charset="0"/>
-            </a:endParaRPr>
-          </a:p>
-          <a:p>
-            <a:endParaRPr lang="en-US" dirty="0">
-              <a:latin typeface="Calibri" charset="0"/>
-              <a:ea typeface="ＭＳ Ｐゴシック" charset="0"/>
-            </a:endParaRPr>
-          </a:p>
-        </p:txBody>
-      </p:sp>
-    </p:spTree>
-    <p:extLst>
-      <p:ext uri="{BB962C8B-B14F-4D97-AF65-F5344CB8AC3E}">
-        <p14:creationId xmlns:p14="http://schemas.microsoft.com/office/powerpoint/2010/main" val="1404533378"/>
-      </p:ext>
-    </p:extLst>
-  </p:cSld>
-  <p:clrMapOvr>
-    <a:masterClrMapping/>
-  </p:clrMapOvr>
-  <p:timing>
-    <p:tnLst>
-      <p:par>
-        <p:cTn xmlns:p14="http://schemas.microsoft.com/office/powerpoint/2010/main" id="1" dur="indefinite" restart="never" nodeType="tmRoot"/>
-      </p:par>
-    </p:tnLst>
-  </p:timing>
-</p:sld>
-</file>
-
-<file path=ppt/slides/slide9.xml><?xml version="1.0" encoding="utf-8"?>
-<p:sld xmlns:a="http://schemas.openxmlformats.org/drawingml/2006/main" xmlns:r="http://schemas.openxmlformats.org/officeDocument/2006/relationships" xmlns:p="http://schemas.openxmlformats.org/presentationml/2006/main">
-  <p:cSld>
-    <p:spTree>
-      <p:nvGrpSpPr>
-        <p:cNvPr id="1" name=""/>
-        <p:cNvGrpSpPr/>
-        <p:nvPr/>
-      </p:nvGrpSpPr>
-      <p:grpSpPr>
-        <a:xfrm>
-          <a:off x="0" y="0"/>
-          <a:ext cx="0" cy="0"/>
-          <a:chOff x="0" y="0"/>
-          <a:chExt cx="0" cy="0"/>
-        </a:xfrm>
-      </p:grpSpPr>
-      <p:sp>
-        <p:nvSpPr>
-          <p:cNvPr id="27649" name="Title 1"/>
-          <p:cNvSpPr>
-            <a:spLocks noGrp="1"/>
-          </p:cNvSpPr>
-          <p:nvPr>
-            <p:ph type="title"/>
-          </p:nvPr>
-        </p:nvSpPr>
-        <p:spPr>
-          <a:xfrm>
-            <a:off x="152400" y="-26988"/>
-            <a:ext cx="8839200" cy="1143001"/>
-          </a:xfrm>
-        </p:spPr>
-        <p:txBody>
-          <a:bodyPr/>
-          <a:lstStyle/>
-          <a:p>
-            <a:r>
-              <a:rPr lang="en-US" dirty="0" smtClean="0">
-                <a:latin typeface="Calibri" charset="0"/>
-                <a:ea typeface="ＭＳ Ｐゴシック" charset="0"/>
-              </a:rPr>
-              <a:t>5-v. Comparison </a:t>
-            </a:r>
-            <a:r>
-              <a:rPr lang="en-US" dirty="0">
-                <a:latin typeface="Calibri" charset="0"/>
-                <a:ea typeface="ＭＳ Ｐゴシック" charset="0"/>
-              </a:rPr>
-              <a:t>of merged GTFs from each </a:t>
-            </a:r>
-            <a:r>
-              <a:rPr lang="en-US" dirty="0" err="1" smtClean="0">
-                <a:latin typeface="Calibri" charset="0"/>
-                <a:ea typeface="ＭＳ Ｐゴシック" charset="0"/>
-              </a:rPr>
-              <a:t>StringTie</a:t>
-            </a:r>
-            <a:r>
-              <a:rPr lang="en-US" dirty="0" smtClean="0">
-                <a:latin typeface="Calibri" charset="0"/>
-                <a:ea typeface="ＭＳ Ｐゴシック" charset="0"/>
-              </a:rPr>
-              <a:t> mode</a:t>
-            </a:r>
-            <a:endParaRPr lang="en-US" dirty="0">
-              <a:latin typeface="Calibri" charset="0"/>
-              <a:ea typeface="ＭＳ Ｐゴシック" charset="0"/>
-            </a:endParaRPr>
-          </a:p>
-        </p:txBody>
-      </p:sp>
-      <p:pic>
-        <p:nvPicPr>
-          <p:cNvPr id="27650" name="Content Placeholder 3" descr="merge gtfs mode comparison.png"/>
-          <p:cNvPicPr>
-            <a:picLocks noGrp="1" noChangeAspect="1"/>
-          </p:cNvPicPr>
-          <p:nvPr>
-            <p:ph idx="1"/>
-          </p:nvPr>
-        </p:nvPicPr>
-        <p:blipFill>
-          <a:blip r:embed="rId3">
-            <a:extLst>
-              <a:ext uri="{28A0092B-C50C-407E-A947-70E740481C1C}">
-                <a14:useLocalDpi xmlns:a14="http://schemas.microsoft.com/office/drawing/2010/main" val="0"/>
-              </a:ext>
-            </a:extLst>
-          </a:blip>
-          <a:srcRect l="-461" r="-735"/>
-          <a:stretch>
-            <a:fillRect/>
-          </a:stretch>
-        </p:blipFill>
-        <p:spPr>
-          <a:xfrm>
-            <a:off x="1619250" y="1412875"/>
-            <a:ext cx="7380288" cy="4911725"/>
-          </a:xfrm>
-        </p:spPr>
-      </p:pic>
-      <p:cxnSp>
-        <p:nvCxnSpPr>
-          <p:cNvPr id="6" name="Straight Arrow Connector 5"/>
-          <p:cNvCxnSpPr/>
-          <p:nvPr/>
-        </p:nvCxnSpPr>
-        <p:spPr>
-          <a:xfrm>
-            <a:off x="5508625" y="3716338"/>
-            <a:ext cx="431800" cy="792162"/>
-          </a:xfrm>
-          <a:prstGeom prst="straightConnector1">
-            <a:avLst/>
-          </a:prstGeom>
-          <a:ln>
-            <a:tailEnd type="arrow"/>
-          </a:ln>
-        </p:spPr>
-        <p:style>
-          <a:lnRef idx="3">
-            <a:schemeClr val="accent2"/>
-          </a:lnRef>
-          <a:fillRef idx="0">
-            <a:schemeClr val="accent2"/>
-          </a:fillRef>
-          <a:effectRef idx="2">
-            <a:schemeClr val="accent2"/>
-          </a:effectRef>
-          <a:fontRef idx="minor">
-            <a:schemeClr val="tx1"/>
-          </a:fontRef>
-        </p:style>
-      </p:cxnSp>
-      <p:sp>
-        <p:nvSpPr>
-          <p:cNvPr id="7" name="TextBox 6"/>
-          <p:cNvSpPr txBox="1"/>
-          <p:nvPr/>
-        </p:nvSpPr>
-        <p:spPr>
-          <a:xfrm>
-            <a:off x="439738" y="4221163"/>
-            <a:ext cx="1236662" cy="276225"/>
-          </a:xfrm>
-          <a:prstGeom prst="rect">
-            <a:avLst/>
-          </a:prstGeom>
-        </p:spPr>
-        <p:style>
-          <a:lnRef idx="2">
-            <a:schemeClr val="dk1"/>
-          </a:lnRef>
-          <a:fillRef idx="1">
-            <a:schemeClr val="lt1"/>
-          </a:fillRef>
-          <a:effectRef idx="0">
-            <a:schemeClr val="dk1"/>
-          </a:effectRef>
-          <a:fontRef idx="minor">
-            <a:schemeClr val="dk1"/>
-          </a:fontRef>
-        </p:style>
-        <p:txBody>
-          <a:bodyPr wrap="none">
-            <a:spAutoFit/>
-          </a:bodyPr>
-          <a:lstStyle/>
-          <a:p>
-            <a:pPr>
-              <a:defRPr/>
-            </a:pPr>
-            <a:r>
-              <a:rPr lang="en-US" sz="1200" b="1" dirty="0" err="1"/>
-              <a:t>ref_only</a:t>
-            </a:r>
-            <a:r>
-              <a:rPr lang="en-US" sz="1200" b="1" dirty="0"/>
-              <a:t> mode</a:t>
-            </a:r>
-          </a:p>
-        </p:txBody>
-      </p:sp>
-      <p:sp>
-        <p:nvSpPr>
-          <p:cNvPr id="8" name="TextBox 7"/>
-          <p:cNvSpPr txBox="1"/>
-          <p:nvPr/>
-        </p:nvSpPr>
-        <p:spPr>
-          <a:xfrm>
-            <a:off x="250825" y="4508500"/>
-            <a:ext cx="1425575" cy="277813"/>
-          </a:xfrm>
-          <a:prstGeom prst="rect">
-            <a:avLst/>
-          </a:prstGeom>
-        </p:spPr>
-        <p:style>
-          <a:lnRef idx="2">
-            <a:schemeClr val="dk1"/>
-          </a:lnRef>
-          <a:fillRef idx="1">
-            <a:schemeClr val="lt1"/>
-          </a:fillRef>
-          <a:effectRef idx="0">
-            <a:schemeClr val="dk1"/>
-          </a:effectRef>
-          <a:fontRef idx="minor">
-            <a:schemeClr val="dk1"/>
-          </a:fontRef>
-        </p:style>
-        <p:txBody>
-          <a:bodyPr wrap="none">
-            <a:spAutoFit/>
-          </a:bodyPr>
-          <a:lstStyle/>
-          <a:p>
-            <a:pPr>
-              <a:defRPr/>
-            </a:pPr>
-            <a:r>
-              <a:rPr lang="en-US" sz="1200" b="1" dirty="0" err="1"/>
-              <a:t>ref_guided</a:t>
-            </a:r>
-            <a:r>
-              <a:rPr lang="en-US" sz="1200" b="1" dirty="0"/>
-              <a:t> mode</a:t>
-            </a:r>
-          </a:p>
-        </p:txBody>
-      </p:sp>
-      <p:sp>
-        <p:nvSpPr>
-          <p:cNvPr id="9" name="TextBox 8"/>
-          <p:cNvSpPr txBox="1"/>
-          <p:nvPr/>
-        </p:nvSpPr>
-        <p:spPr>
-          <a:xfrm>
-            <a:off x="404813" y="4797425"/>
-            <a:ext cx="1271587" cy="276225"/>
-          </a:xfrm>
-          <a:prstGeom prst="rect">
-            <a:avLst/>
-          </a:prstGeom>
-        </p:spPr>
-        <p:style>
-          <a:lnRef idx="2">
-            <a:schemeClr val="dk1"/>
-          </a:lnRef>
-          <a:fillRef idx="1">
-            <a:schemeClr val="lt1"/>
-          </a:fillRef>
-          <a:effectRef idx="0">
-            <a:schemeClr val="dk1"/>
-          </a:effectRef>
-          <a:fontRef idx="minor">
-            <a:schemeClr val="dk1"/>
-          </a:fontRef>
-        </p:style>
-        <p:txBody>
-          <a:bodyPr wrap="none">
-            <a:spAutoFit/>
-          </a:bodyPr>
-          <a:lstStyle/>
-          <a:p>
-            <a:pPr>
-              <a:defRPr/>
-            </a:pPr>
-            <a:r>
-              <a:rPr lang="en-US" sz="1200" b="1" dirty="0" err="1"/>
-              <a:t>de_novo</a:t>
-            </a:r>
-            <a:r>
-              <a:rPr lang="en-US" sz="1200" b="1" dirty="0"/>
-              <a:t> mode</a:t>
-            </a:r>
-          </a:p>
-        </p:txBody>
-      </p:sp>
-      <p:sp>
-        <p:nvSpPr>
-          <p:cNvPr id="10" name="TextBox 9"/>
-          <p:cNvSpPr txBox="1"/>
-          <p:nvPr/>
-        </p:nvSpPr>
-        <p:spPr>
-          <a:xfrm>
-            <a:off x="361950" y="5157788"/>
-            <a:ext cx="1314450" cy="276225"/>
-          </a:xfrm>
-          <a:prstGeom prst="rect">
-            <a:avLst/>
-          </a:prstGeom>
-        </p:spPr>
-        <p:style>
-          <a:lnRef idx="2">
-            <a:schemeClr val="dk1"/>
-          </a:lnRef>
-          <a:fillRef idx="1">
-            <a:schemeClr val="lt1"/>
-          </a:fillRef>
-          <a:effectRef idx="0">
-            <a:schemeClr val="dk1"/>
-          </a:effectRef>
-          <a:fontRef idx="minor">
-            <a:schemeClr val="dk1"/>
-          </a:fontRef>
-        </p:style>
-        <p:txBody>
-          <a:bodyPr wrap="none">
-            <a:spAutoFit/>
-          </a:bodyPr>
-          <a:lstStyle/>
-          <a:p>
-            <a:pPr>
-              <a:defRPr/>
-            </a:pPr>
-            <a:r>
-              <a:rPr lang="en-US" sz="1200" b="1" dirty="0"/>
-              <a:t>Ensembl genes</a:t>
-            </a:r>
-          </a:p>
-        </p:txBody>
-      </p:sp>
-      <p:sp>
-        <p:nvSpPr>
-          <p:cNvPr id="11" name="TextBox 10"/>
-          <p:cNvSpPr txBox="1"/>
-          <p:nvPr/>
-        </p:nvSpPr>
-        <p:spPr>
-          <a:xfrm>
-            <a:off x="568325" y="3284538"/>
-            <a:ext cx="1108075" cy="277812"/>
-          </a:xfrm>
-          <a:prstGeom prst="rect">
-            <a:avLst/>
-          </a:prstGeom>
-        </p:spPr>
-        <p:style>
-          <a:lnRef idx="2">
-            <a:schemeClr val="dk1"/>
-          </a:lnRef>
-          <a:fillRef idx="1">
-            <a:schemeClr val="lt1"/>
-          </a:fillRef>
-          <a:effectRef idx="0">
-            <a:schemeClr val="dk1"/>
-          </a:effectRef>
-          <a:fontRef idx="minor">
-            <a:schemeClr val="dk1"/>
-          </a:fontRef>
-        </p:style>
-        <p:txBody>
-          <a:bodyPr wrap="none">
-            <a:spAutoFit/>
-          </a:bodyPr>
-          <a:lstStyle/>
-          <a:p>
-            <a:pPr>
-              <a:defRPr/>
-            </a:pPr>
-            <a:r>
-              <a:rPr lang="en-US" sz="1200" b="1" dirty="0"/>
-              <a:t>UCSC genes</a:t>
-            </a:r>
-          </a:p>
-        </p:txBody>
-      </p:sp>
-    </p:spTree>
-    <p:extLst>
-      <p:ext uri="{BB962C8B-B14F-4D97-AF65-F5344CB8AC3E}">
-        <p14:creationId xmlns:p14="http://schemas.microsoft.com/office/powerpoint/2010/main" val="3497350196"/>
+        <p14:creationId xmlns:p14="http://schemas.microsoft.com/office/powerpoint/2010/main" val="3218371699"/>
       </p:ext>
     </p:extLst>
   </p:cSld>
